--- a/Working_Figures.pptx
+++ b/Working_Figures.pptx
@@ -1,19 +1,120 @@
 
 <file path=ppt/presentation.xml><?xml version="1.0" encoding="utf-8"?>
-<p:presentation xmlns:a="http://schemas.openxmlformats.org/drawingml/2006/main" xmlns:p="http://schemas.openxmlformats.org/presentationml/2006/main" xmlns:r="http://schemas.openxmlformats.org/officeDocument/2006/relationships" xmlns:p14="http://schemas.microsoft.com/office/powerpoint/2010/main" xmlns:p15="http://schemas.microsoft.com/office/powerpoint/2012/main" xmlns:mc="http://schemas.openxmlformats.org/markup-compatibility/2006">
+<p:presentation xmlns:a="http://schemas.openxmlformats.org/drawingml/2006/main" xmlns:r="http://schemas.openxmlformats.org/officeDocument/2006/relationships" xmlns:p="http://schemas.openxmlformats.org/presentationml/2006/main">
   <p:sldMasterIdLst>
-    <p:sldMasterId id="2147483648" r:id="rId2"/>
+    <p:sldMasterId id="2147483648" r:id="rId1"/>
   </p:sldMasterIdLst>
   <p:sldIdLst>
-    <p:sldId id="256" r:id="rId3"/>
+    <p:sldId id="256" r:id="rId2"/>
+    <p:sldId id="257" r:id="rId3"/>
   </p:sldIdLst>
   <p:sldSz cx="10080625" cy="5670550"/>
   <p:notesSz cx="7772400" cy="10058400"/>
+  <p:defaultTextStyle>
+    <a:defPPr>
+      <a:defRPr lang="en-US"/>
+    </a:defPPr>
+    <a:lvl1pPr marL="0" algn="l" defTabSz="914400" rtl="0" eaLnBrk="1" latinLnBrk="0" hangingPunct="1">
+      <a:defRPr sz="1800" kern="1200">
+        <a:solidFill>
+          <a:schemeClr val="tx1"/>
+        </a:solidFill>
+        <a:latin typeface="+mn-lt"/>
+        <a:ea typeface="+mn-ea"/>
+        <a:cs typeface="+mn-cs"/>
+      </a:defRPr>
+    </a:lvl1pPr>
+    <a:lvl2pPr marL="457200" algn="l" defTabSz="914400" rtl="0" eaLnBrk="1" latinLnBrk="0" hangingPunct="1">
+      <a:defRPr sz="1800" kern="1200">
+        <a:solidFill>
+          <a:schemeClr val="tx1"/>
+        </a:solidFill>
+        <a:latin typeface="+mn-lt"/>
+        <a:ea typeface="+mn-ea"/>
+        <a:cs typeface="+mn-cs"/>
+      </a:defRPr>
+    </a:lvl2pPr>
+    <a:lvl3pPr marL="914400" algn="l" defTabSz="914400" rtl="0" eaLnBrk="1" latinLnBrk="0" hangingPunct="1">
+      <a:defRPr sz="1800" kern="1200">
+        <a:solidFill>
+          <a:schemeClr val="tx1"/>
+        </a:solidFill>
+        <a:latin typeface="+mn-lt"/>
+        <a:ea typeface="+mn-ea"/>
+        <a:cs typeface="+mn-cs"/>
+      </a:defRPr>
+    </a:lvl3pPr>
+    <a:lvl4pPr marL="1371600" algn="l" defTabSz="914400" rtl="0" eaLnBrk="1" latinLnBrk="0" hangingPunct="1">
+      <a:defRPr sz="1800" kern="1200">
+        <a:solidFill>
+          <a:schemeClr val="tx1"/>
+        </a:solidFill>
+        <a:latin typeface="+mn-lt"/>
+        <a:ea typeface="+mn-ea"/>
+        <a:cs typeface="+mn-cs"/>
+      </a:defRPr>
+    </a:lvl4pPr>
+    <a:lvl5pPr marL="1828800" algn="l" defTabSz="914400" rtl="0" eaLnBrk="1" latinLnBrk="0" hangingPunct="1">
+      <a:defRPr sz="1800" kern="1200">
+        <a:solidFill>
+          <a:schemeClr val="tx1"/>
+        </a:solidFill>
+        <a:latin typeface="+mn-lt"/>
+        <a:ea typeface="+mn-ea"/>
+        <a:cs typeface="+mn-cs"/>
+      </a:defRPr>
+    </a:lvl5pPr>
+    <a:lvl6pPr marL="2286000" algn="l" defTabSz="914400" rtl="0" eaLnBrk="1" latinLnBrk="0" hangingPunct="1">
+      <a:defRPr sz="1800" kern="1200">
+        <a:solidFill>
+          <a:schemeClr val="tx1"/>
+        </a:solidFill>
+        <a:latin typeface="+mn-lt"/>
+        <a:ea typeface="+mn-ea"/>
+        <a:cs typeface="+mn-cs"/>
+      </a:defRPr>
+    </a:lvl6pPr>
+    <a:lvl7pPr marL="2743200" algn="l" defTabSz="914400" rtl="0" eaLnBrk="1" latinLnBrk="0" hangingPunct="1">
+      <a:defRPr sz="1800" kern="1200">
+        <a:solidFill>
+          <a:schemeClr val="tx1"/>
+        </a:solidFill>
+        <a:latin typeface="+mn-lt"/>
+        <a:ea typeface="+mn-ea"/>
+        <a:cs typeface="+mn-cs"/>
+      </a:defRPr>
+    </a:lvl7pPr>
+    <a:lvl8pPr marL="3200400" algn="l" defTabSz="914400" rtl="0" eaLnBrk="1" latinLnBrk="0" hangingPunct="1">
+      <a:defRPr sz="1800" kern="1200">
+        <a:solidFill>
+          <a:schemeClr val="tx1"/>
+        </a:solidFill>
+        <a:latin typeface="+mn-lt"/>
+        <a:ea typeface="+mn-ea"/>
+        <a:cs typeface="+mn-cs"/>
+      </a:defRPr>
+    </a:lvl8pPr>
+    <a:lvl9pPr marL="3657600" algn="l" defTabSz="914400" rtl="0" eaLnBrk="1" latinLnBrk="0" hangingPunct="1">
+      <a:defRPr sz="1800" kern="1200">
+        <a:solidFill>
+          <a:schemeClr val="tx1"/>
+        </a:solidFill>
+        <a:latin typeface="+mn-lt"/>
+        <a:ea typeface="+mn-ea"/>
+        <a:cs typeface="+mn-cs"/>
+      </a:defRPr>
+    </a:lvl9pPr>
+  </p:defaultTextStyle>
+  <p:extLst>
+    <p:ext uri="{EFAFB233-063F-42B5-8137-9DF3F51BA10A}">
+      <p15:sldGuideLst xmlns:p15="http://schemas.microsoft.com/office/powerpoint/2012/main"/>
+    </p:ext>
+  </p:extLst>
 </p:presentation>
 </file>
 
 <file path=ppt/slideLayouts/slideLayout1.xml><?xml version="1.0" encoding="utf-8"?>
-<p:sldLayout xmlns:a="http://schemas.openxmlformats.org/drawingml/2006/main" xmlns:p="http://schemas.openxmlformats.org/presentationml/2006/main" xmlns:r="http://schemas.openxmlformats.org/officeDocument/2006/relationships" xmlns:p14="http://schemas.microsoft.com/office/powerpoint/2010/main" xmlns:p15="http://schemas.microsoft.com/office/powerpoint/2012/main" xmlns:mc="http://schemas.openxmlformats.org/markup-compatibility/2006" type="blank" preserve="1">
+<p:sldLayout xmlns:a="http://schemas.openxmlformats.org/drawingml/2006/main" xmlns:r="http://schemas.openxmlformats.org/officeDocument/2006/relationships" xmlns:p="http://schemas.openxmlformats.org/presentationml/2006/main" type="blank" preserve="1">
   <p:cSld name="Blank Slide">
     <p:spTree>
       <p:nvGrpSpPr>
@@ -31,11 +132,14 @@
       </p:grpSpPr>
     </p:spTree>
   </p:cSld>
+  <p:clrMapOvr>
+    <a:masterClrMapping/>
+  </p:clrMapOvr>
 </p:sldLayout>
 </file>
 
 <file path=ppt/slideLayouts/slideLayout10.xml><?xml version="1.0" encoding="utf-8"?>
-<p:sldLayout xmlns:a="http://schemas.openxmlformats.org/drawingml/2006/main" xmlns:p="http://schemas.openxmlformats.org/presentationml/2006/main" xmlns:r="http://schemas.openxmlformats.org/officeDocument/2006/relationships" xmlns:p14="http://schemas.microsoft.com/office/powerpoint/2010/main" xmlns:p15="http://schemas.microsoft.com/office/powerpoint/2012/main" xmlns:mc="http://schemas.openxmlformats.org/markup-compatibility/2006" type="objOverTx" preserve="1">
+<p:sldLayout xmlns:a="http://schemas.openxmlformats.org/drawingml/2006/main" xmlns:r="http://schemas.openxmlformats.org/officeDocument/2006/relationships" xmlns:p="http://schemas.openxmlformats.org/presentationml/2006/main" type="objOverTx" preserve="1">
   <p:cSld name="Title, Content over Content">
     <p:spTree>
       <p:nvGrpSpPr>
@@ -71,10 +175,11 @@
           </a:prstGeom>
         </p:spPr>
         <p:txBody>
-          <a:bodyPr lIns="0" rIns="0" tIns="0" bIns="0" anchor="ctr"/>
+          <a:bodyPr lIns="0" tIns="0" rIns="0" bIns="0" anchor="ctr"/>
+          <a:lstStyle/>
           <a:p>
             <a:pPr algn="ctr"/>
-            <a:endParaRPr b="0" lang="en-US" sz="4400" spc="-1" strike="noStrike">
+            <a:endParaRPr lang="en-US" sz="4400" b="0" strike="noStrike" spc="-1">
               <a:latin typeface="Arial"/>
             </a:endParaRPr>
           </a:p>
@@ -100,11 +205,12 @@
           </a:prstGeom>
         </p:spPr>
         <p:txBody>
-          <a:bodyPr lIns="0" rIns="0" tIns="0" bIns="0">
+          <a:bodyPr lIns="0" tIns="0" rIns="0" bIns="0">
             <a:normAutofit/>
           </a:bodyPr>
-          <a:p>
-            <a:endParaRPr b="0" lang="en-US" sz="3200" spc="-1" strike="noStrike">
+          <a:lstStyle/>
+          <a:p>
+            <a:endParaRPr lang="en-US" sz="3200" b="0" strike="noStrike" spc="-1">
               <a:latin typeface="Arial"/>
             </a:endParaRPr>
           </a:p>
@@ -130,11 +236,12 @@
           </a:prstGeom>
         </p:spPr>
         <p:txBody>
-          <a:bodyPr lIns="0" rIns="0" tIns="0" bIns="0">
+          <a:bodyPr lIns="0" tIns="0" rIns="0" bIns="0">
             <a:normAutofit/>
           </a:bodyPr>
-          <a:p>
-            <a:endParaRPr b="0" lang="en-US" sz="3200" spc="-1" strike="noStrike">
+          <a:lstStyle/>
+          <a:p>
+            <a:endParaRPr lang="en-US" sz="3200" b="0" strike="noStrike" spc="-1">
               <a:latin typeface="Arial"/>
             </a:endParaRPr>
           </a:p>
@@ -142,11 +249,14 @@
       </p:sp>
     </p:spTree>
   </p:cSld>
+  <p:clrMapOvr>
+    <a:masterClrMapping/>
+  </p:clrMapOvr>
 </p:sldLayout>
 </file>
 
 <file path=ppt/slideLayouts/slideLayout11.xml><?xml version="1.0" encoding="utf-8"?>
-<p:sldLayout xmlns:a="http://schemas.openxmlformats.org/drawingml/2006/main" xmlns:p="http://schemas.openxmlformats.org/presentationml/2006/main" xmlns:r="http://schemas.openxmlformats.org/officeDocument/2006/relationships" xmlns:p14="http://schemas.microsoft.com/office/powerpoint/2010/main" xmlns:p15="http://schemas.microsoft.com/office/powerpoint/2012/main" xmlns:mc="http://schemas.openxmlformats.org/markup-compatibility/2006" type="fourObj" preserve="1">
+<p:sldLayout xmlns:a="http://schemas.openxmlformats.org/drawingml/2006/main" xmlns:r="http://schemas.openxmlformats.org/officeDocument/2006/relationships" xmlns:p="http://schemas.openxmlformats.org/presentationml/2006/main" type="fourObj" preserve="1">
   <p:cSld name="Title, 4 Content">
     <p:spTree>
       <p:nvGrpSpPr>
@@ -182,10 +292,11 @@
           </a:prstGeom>
         </p:spPr>
         <p:txBody>
-          <a:bodyPr lIns="0" rIns="0" tIns="0" bIns="0" anchor="ctr"/>
+          <a:bodyPr lIns="0" tIns="0" rIns="0" bIns="0" anchor="ctr"/>
+          <a:lstStyle/>
           <a:p>
             <a:pPr algn="ctr"/>
-            <a:endParaRPr b="0" lang="en-US" sz="4400" spc="-1" strike="noStrike">
+            <a:endParaRPr lang="en-US" sz="4400" b="0" strike="noStrike" spc="-1">
               <a:latin typeface="Arial"/>
             </a:endParaRPr>
           </a:p>
@@ -211,11 +322,12 @@
           </a:prstGeom>
         </p:spPr>
         <p:txBody>
-          <a:bodyPr lIns="0" rIns="0" tIns="0" bIns="0">
+          <a:bodyPr lIns="0" tIns="0" rIns="0" bIns="0">
             <a:normAutofit/>
           </a:bodyPr>
-          <a:p>
-            <a:endParaRPr b="0" lang="en-US" sz="3200" spc="-1" strike="noStrike">
+          <a:lstStyle/>
+          <a:p>
+            <a:endParaRPr lang="en-US" sz="3200" b="0" strike="noStrike" spc="-1">
               <a:latin typeface="Arial"/>
             </a:endParaRPr>
           </a:p>
@@ -241,11 +353,12 @@
           </a:prstGeom>
         </p:spPr>
         <p:txBody>
-          <a:bodyPr lIns="0" rIns="0" tIns="0" bIns="0">
+          <a:bodyPr lIns="0" tIns="0" rIns="0" bIns="0">
             <a:normAutofit/>
           </a:bodyPr>
-          <a:p>
-            <a:endParaRPr b="0" lang="en-US" sz="3200" spc="-1" strike="noStrike">
+          <a:lstStyle/>
+          <a:p>
+            <a:endParaRPr lang="en-US" sz="3200" b="0" strike="noStrike" spc="-1">
               <a:latin typeface="Arial"/>
             </a:endParaRPr>
           </a:p>
@@ -271,11 +384,12 @@
           </a:prstGeom>
         </p:spPr>
         <p:txBody>
-          <a:bodyPr lIns="0" rIns="0" tIns="0" bIns="0">
+          <a:bodyPr lIns="0" tIns="0" rIns="0" bIns="0">
             <a:normAutofit/>
           </a:bodyPr>
-          <a:p>
-            <a:endParaRPr b="0" lang="en-US" sz="3200" spc="-1" strike="noStrike">
+          <a:lstStyle/>
+          <a:p>
+            <a:endParaRPr lang="en-US" sz="3200" b="0" strike="noStrike" spc="-1">
               <a:latin typeface="Arial"/>
             </a:endParaRPr>
           </a:p>
@@ -301,11 +415,12 @@
           </a:prstGeom>
         </p:spPr>
         <p:txBody>
-          <a:bodyPr lIns="0" rIns="0" tIns="0" bIns="0">
+          <a:bodyPr lIns="0" tIns="0" rIns="0" bIns="0">
             <a:normAutofit/>
           </a:bodyPr>
-          <a:p>
-            <a:endParaRPr b="0" lang="en-US" sz="3200" spc="-1" strike="noStrike">
+          <a:lstStyle/>
+          <a:p>
+            <a:endParaRPr lang="en-US" sz="3200" b="0" strike="noStrike" spc="-1">
               <a:latin typeface="Arial"/>
             </a:endParaRPr>
           </a:p>
@@ -313,11 +428,14 @@
       </p:sp>
     </p:spTree>
   </p:cSld>
+  <p:clrMapOvr>
+    <a:masterClrMapping/>
+  </p:clrMapOvr>
 </p:sldLayout>
 </file>
 
 <file path=ppt/slideLayouts/slideLayout12.xml><?xml version="1.0" encoding="utf-8"?>
-<p:sldLayout xmlns:a="http://schemas.openxmlformats.org/drawingml/2006/main" xmlns:p="http://schemas.openxmlformats.org/presentationml/2006/main" xmlns:r="http://schemas.openxmlformats.org/officeDocument/2006/relationships" xmlns:p14="http://schemas.microsoft.com/office/powerpoint/2010/main" xmlns:p15="http://schemas.microsoft.com/office/powerpoint/2012/main" xmlns:mc="http://schemas.openxmlformats.org/markup-compatibility/2006" type="blank" preserve="1">
+<p:sldLayout xmlns:a="http://schemas.openxmlformats.org/drawingml/2006/main" xmlns:r="http://schemas.openxmlformats.org/officeDocument/2006/relationships" xmlns:p="http://schemas.openxmlformats.org/presentationml/2006/main" type="blank" preserve="1">
   <p:cSld name="Title, 6 Content">
     <p:spTree>
       <p:nvGrpSpPr>
@@ -353,10 +471,11 @@
           </a:prstGeom>
         </p:spPr>
         <p:txBody>
-          <a:bodyPr lIns="0" rIns="0" tIns="0" bIns="0" anchor="ctr"/>
+          <a:bodyPr lIns="0" tIns="0" rIns="0" bIns="0" anchor="ctr"/>
+          <a:lstStyle/>
           <a:p>
             <a:pPr algn="ctr"/>
-            <a:endParaRPr b="0" lang="en-US" sz="4400" spc="-1" strike="noStrike">
+            <a:endParaRPr lang="en-US" sz="4400" b="0" strike="noStrike" spc="-1">
               <a:latin typeface="Arial"/>
             </a:endParaRPr>
           </a:p>
@@ -382,11 +501,12 @@
           </a:prstGeom>
         </p:spPr>
         <p:txBody>
-          <a:bodyPr lIns="0" rIns="0" tIns="0" bIns="0">
+          <a:bodyPr lIns="0" tIns="0" rIns="0" bIns="0">
             <a:normAutofit/>
           </a:bodyPr>
-          <a:p>
-            <a:endParaRPr b="0" lang="en-US" sz="3200" spc="-1" strike="noStrike">
+          <a:lstStyle/>
+          <a:p>
+            <a:endParaRPr lang="en-US" sz="3200" b="0" strike="noStrike" spc="-1">
               <a:latin typeface="Arial"/>
             </a:endParaRPr>
           </a:p>
@@ -412,11 +532,12 @@
           </a:prstGeom>
         </p:spPr>
         <p:txBody>
-          <a:bodyPr lIns="0" rIns="0" tIns="0" bIns="0">
+          <a:bodyPr lIns="0" tIns="0" rIns="0" bIns="0">
             <a:normAutofit/>
           </a:bodyPr>
-          <a:p>
-            <a:endParaRPr b="0" lang="en-US" sz="3200" spc="-1" strike="noStrike">
+          <a:lstStyle/>
+          <a:p>
+            <a:endParaRPr lang="en-US" sz="3200" b="0" strike="noStrike" spc="-1">
               <a:latin typeface="Arial"/>
             </a:endParaRPr>
           </a:p>
@@ -442,11 +563,12 @@
           </a:prstGeom>
         </p:spPr>
         <p:txBody>
-          <a:bodyPr lIns="0" rIns="0" tIns="0" bIns="0">
+          <a:bodyPr lIns="0" tIns="0" rIns="0" bIns="0">
             <a:normAutofit/>
           </a:bodyPr>
-          <a:p>
-            <a:endParaRPr b="0" lang="en-US" sz="3200" spc="-1" strike="noStrike">
+          <a:lstStyle/>
+          <a:p>
+            <a:endParaRPr lang="en-US" sz="3200" b="0" strike="noStrike" spc="-1">
               <a:latin typeface="Arial"/>
             </a:endParaRPr>
           </a:p>
@@ -472,11 +594,12 @@
           </a:prstGeom>
         </p:spPr>
         <p:txBody>
-          <a:bodyPr lIns="0" rIns="0" tIns="0" bIns="0">
+          <a:bodyPr lIns="0" tIns="0" rIns="0" bIns="0">
             <a:normAutofit/>
           </a:bodyPr>
-          <a:p>
-            <a:endParaRPr b="0" lang="en-US" sz="3200" spc="-1" strike="noStrike">
+          <a:lstStyle/>
+          <a:p>
+            <a:endParaRPr lang="en-US" sz="3200" b="0" strike="noStrike" spc="-1">
               <a:latin typeface="Arial"/>
             </a:endParaRPr>
           </a:p>
@@ -502,11 +625,12 @@
           </a:prstGeom>
         </p:spPr>
         <p:txBody>
-          <a:bodyPr lIns="0" rIns="0" tIns="0" bIns="0">
+          <a:bodyPr lIns="0" tIns="0" rIns="0" bIns="0">
             <a:normAutofit/>
           </a:bodyPr>
-          <a:p>
-            <a:endParaRPr b="0" lang="en-US" sz="3200" spc="-1" strike="noStrike">
+          <a:lstStyle/>
+          <a:p>
+            <a:endParaRPr lang="en-US" sz="3200" b="0" strike="noStrike" spc="-1">
               <a:latin typeface="Arial"/>
             </a:endParaRPr>
           </a:p>
@@ -532,11 +656,12 @@
           </a:prstGeom>
         </p:spPr>
         <p:txBody>
-          <a:bodyPr lIns="0" rIns="0" tIns="0" bIns="0">
+          <a:bodyPr lIns="0" tIns="0" rIns="0" bIns="0">
             <a:normAutofit/>
           </a:bodyPr>
-          <a:p>
-            <a:endParaRPr b="0" lang="en-US" sz="3200" spc="-1" strike="noStrike">
+          <a:lstStyle/>
+          <a:p>
+            <a:endParaRPr lang="en-US" sz="3200" b="0" strike="noStrike" spc="-1">
               <a:latin typeface="Arial"/>
             </a:endParaRPr>
           </a:p>
@@ -544,11 +669,14 @@
       </p:sp>
     </p:spTree>
   </p:cSld>
+  <p:clrMapOvr>
+    <a:masterClrMapping/>
+  </p:clrMapOvr>
 </p:sldLayout>
 </file>
 
 <file path=ppt/slideLayouts/slideLayout2.xml><?xml version="1.0" encoding="utf-8"?>
-<p:sldLayout xmlns:a="http://schemas.openxmlformats.org/drawingml/2006/main" xmlns:p="http://schemas.openxmlformats.org/presentationml/2006/main" xmlns:r="http://schemas.openxmlformats.org/officeDocument/2006/relationships" xmlns:p14="http://schemas.microsoft.com/office/powerpoint/2010/main" xmlns:p15="http://schemas.microsoft.com/office/powerpoint/2012/main" xmlns:mc="http://schemas.openxmlformats.org/markup-compatibility/2006" type="tx" preserve="1">
+<p:sldLayout xmlns:a="http://schemas.openxmlformats.org/drawingml/2006/main" xmlns:r="http://schemas.openxmlformats.org/officeDocument/2006/relationships" xmlns:p="http://schemas.openxmlformats.org/presentationml/2006/main" type="tx" preserve="1">
   <p:cSld name="Title Slide">
     <p:spTree>
       <p:nvGrpSpPr>
@@ -566,7 +694,7 @@
       </p:grpSpPr>
       <p:sp>
         <p:nvSpPr>
-          <p:cNvPr id="0" name="PlaceHolder 1"/>
+          <p:cNvPr id="2" name="PlaceHolder 1"/>
           <p:cNvSpPr>
             <a:spLocks noGrp="1"/>
           </p:cNvSpPr>
@@ -584,18 +712,19 @@
           </a:prstGeom>
         </p:spPr>
         <p:txBody>
-          <a:bodyPr lIns="0" rIns="0" tIns="0" bIns="0" anchor="ctr"/>
+          <a:bodyPr lIns="0" tIns="0" rIns="0" bIns="0" anchor="ctr"/>
+          <a:lstStyle/>
           <a:p>
             <a:pPr algn="ctr"/>
-            <a:endParaRPr b="0" lang="en-US" sz="4400" spc="-1" strike="noStrike">
-              <a:latin typeface="Arial"/>
-            </a:endParaRPr>
-          </a:p>
-        </p:txBody>
-      </p:sp>
-      <p:sp>
-        <p:nvSpPr>
-          <p:cNvPr id="1" name="PlaceHolder 2"/>
+            <a:endParaRPr lang="en-US" sz="4400" b="0" strike="noStrike" spc="-1">
+              <a:latin typeface="Arial"/>
+            </a:endParaRPr>
+          </a:p>
+        </p:txBody>
+      </p:sp>
+      <p:sp>
+        <p:nvSpPr>
+          <p:cNvPr id="3" name="PlaceHolder 2"/>
           <p:cNvSpPr>
             <a:spLocks noGrp="1"/>
           </p:cNvSpPr>
@@ -613,10 +742,11 @@
           </a:prstGeom>
         </p:spPr>
         <p:txBody>
-          <a:bodyPr lIns="0" rIns="0" tIns="0" bIns="0" anchor="ctr"/>
+          <a:bodyPr lIns="0" tIns="0" rIns="0" bIns="0" anchor="ctr"/>
+          <a:lstStyle/>
           <a:p>
             <a:pPr algn="ctr"/>
-            <a:endParaRPr b="0" lang="en-US" sz="3200" spc="-1" strike="noStrike">
+            <a:endParaRPr lang="en-US" sz="3200" b="0" strike="noStrike" spc="-1">
               <a:latin typeface="Arial"/>
             </a:endParaRPr>
           </a:p>
@@ -624,11 +754,14 @@
       </p:sp>
     </p:spTree>
   </p:cSld>
+  <p:clrMapOvr>
+    <a:masterClrMapping/>
+  </p:clrMapOvr>
 </p:sldLayout>
 </file>
 
 <file path=ppt/slideLayouts/slideLayout3.xml><?xml version="1.0" encoding="utf-8"?>
-<p:sldLayout xmlns:a="http://schemas.openxmlformats.org/drawingml/2006/main" xmlns:p="http://schemas.openxmlformats.org/presentationml/2006/main" xmlns:r="http://schemas.openxmlformats.org/officeDocument/2006/relationships" xmlns:p14="http://schemas.microsoft.com/office/powerpoint/2010/main" xmlns:p15="http://schemas.microsoft.com/office/powerpoint/2012/main" xmlns:mc="http://schemas.openxmlformats.org/markup-compatibility/2006" type="obj" preserve="1">
+<p:sldLayout xmlns:a="http://schemas.openxmlformats.org/drawingml/2006/main" xmlns:r="http://schemas.openxmlformats.org/officeDocument/2006/relationships" xmlns:p="http://schemas.openxmlformats.org/presentationml/2006/main" type="obj" preserve="1">
   <p:cSld name="Title, Content">
     <p:spTree>
       <p:nvGrpSpPr>
@@ -664,10 +797,11 @@
           </a:prstGeom>
         </p:spPr>
         <p:txBody>
-          <a:bodyPr lIns="0" rIns="0" tIns="0" bIns="0" anchor="ctr"/>
+          <a:bodyPr lIns="0" tIns="0" rIns="0" bIns="0" anchor="ctr"/>
+          <a:lstStyle/>
           <a:p>
             <a:pPr algn="ctr"/>
-            <a:endParaRPr b="0" lang="en-US" sz="4400" spc="-1" strike="noStrike">
+            <a:endParaRPr lang="en-US" sz="4400" b="0" strike="noStrike" spc="-1">
               <a:latin typeface="Arial"/>
             </a:endParaRPr>
           </a:p>
@@ -693,11 +827,12 @@
           </a:prstGeom>
         </p:spPr>
         <p:txBody>
-          <a:bodyPr lIns="0" rIns="0" tIns="0" bIns="0">
+          <a:bodyPr lIns="0" tIns="0" rIns="0" bIns="0">
             <a:normAutofit/>
           </a:bodyPr>
-          <a:p>
-            <a:endParaRPr b="0" lang="en-US" sz="3200" spc="-1" strike="noStrike">
+          <a:lstStyle/>
+          <a:p>
+            <a:endParaRPr lang="en-US" sz="3200" b="0" strike="noStrike" spc="-1">
               <a:latin typeface="Arial"/>
             </a:endParaRPr>
           </a:p>
@@ -705,11 +840,14 @@
       </p:sp>
     </p:spTree>
   </p:cSld>
+  <p:clrMapOvr>
+    <a:masterClrMapping/>
+  </p:clrMapOvr>
 </p:sldLayout>
 </file>
 
 <file path=ppt/slideLayouts/slideLayout4.xml><?xml version="1.0" encoding="utf-8"?>
-<p:sldLayout xmlns:a="http://schemas.openxmlformats.org/drawingml/2006/main" xmlns:p="http://schemas.openxmlformats.org/presentationml/2006/main" xmlns:r="http://schemas.openxmlformats.org/officeDocument/2006/relationships" xmlns:p14="http://schemas.microsoft.com/office/powerpoint/2010/main" xmlns:p15="http://schemas.microsoft.com/office/powerpoint/2012/main" xmlns:mc="http://schemas.openxmlformats.org/markup-compatibility/2006" type="twoObj" preserve="1">
+<p:sldLayout xmlns:a="http://schemas.openxmlformats.org/drawingml/2006/main" xmlns:r="http://schemas.openxmlformats.org/officeDocument/2006/relationships" xmlns:p="http://schemas.openxmlformats.org/presentationml/2006/main" type="twoObj" preserve="1">
   <p:cSld name="Title, 2 Content">
     <p:spTree>
       <p:nvGrpSpPr>
@@ -745,10 +883,11 @@
           </a:prstGeom>
         </p:spPr>
         <p:txBody>
-          <a:bodyPr lIns="0" rIns="0" tIns="0" bIns="0" anchor="ctr"/>
+          <a:bodyPr lIns="0" tIns="0" rIns="0" bIns="0" anchor="ctr"/>
+          <a:lstStyle/>
           <a:p>
             <a:pPr algn="ctr"/>
-            <a:endParaRPr b="0" lang="en-US" sz="4400" spc="-1" strike="noStrike">
+            <a:endParaRPr lang="en-US" sz="4400" b="0" strike="noStrike" spc="-1">
               <a:latin typeface="Arial"/>
             </a:endParaRPr>
           </a:p>
@@ -774,11 +913,12 @@
           </a:prstGeom>
         </p:spPr>
         <p:txBody>
-          <a:bodyPr lIns="0" rIns="0" tIns="0" bIns="0">
+          <a:bodyPr lIns="0" tIns="0" rIns="0" bIns="0">
             <a:normAutofit/>
           </a:bodyPr>
-          <a:p>
-            <a:endParaRPr b="0" lang="en-US" sz="3200" spc="-1" strike="noStrike">
+          <a:lstStyle/>
+          <a:p>
+            <a:endParaRPr lang="en-US" sz="3200" b="0" strike="noStrike" spc="-1">
               <a:latin typeface="Arial"/>
             </a:endParaRPr>
           </a:p>
@@ -804,11 +944,12 @@
           </a:prstGeom>
         </p:spPr>
         <p:txBody>
-          <a:bodyPr lIns="0" rIns="0" tIns="0" bIns="0">
+          <a:bodyPr lIns="0" tIns="0" rIns="0" bIns="0">
             <a:normAutofit/>
           </a:bodyPr>
-          <a:p>
-            <a:endParaRPr b="0" lang="en-US" sz="3200" spc="-1" strike="noStrike">
+          <a:lstStyle/>
+          <a:p>
+            <a:endParaRPr lang="en-US" sz="3200" b="0" strike="noStrike" spc="-1">
               <a:latin typeface="Arial"/>
             </a:endParaRPr>
           </a:p>
@@ -816,11 +957,14 @@
       </p:sp>
     </p:spTree>
   </p:cSld>
+  <p:clrMapOvr>
+    <a:masterClrMapping/>
+  </p:clrMapOvr>
 </p:sldLayout>
 </file>
 
 <file path=ppt/slideLayouts/slideLayout5.xml><?xml version="1.0" encoding="utf-8"?>
-<p:sldLayout xmlns:a="http://schemas.openxmlformats.org/drawingml/2006/main" xmlns:p="http://schemas.openxmlformats.org/presentationml/2006/main" xmlns:r="http://schemas.openxmlformats.org/officeDocument/2006/relationships" xmlns:p14="http://schemas.microsoft.com/office/powerpoint/2010/main" xmlns:p15="http://schemas.microsoft.com/office/powerpoint/2012/main" xmlns:mc="http://schemas.openxmlformats.org/markup-compatibility/2006" type="titleOnly" preserve="1">
+<p:sldLayout xmlns:a="http://schemas.openxmlformats.org/drawingml/2006/main" xmlns:r="http://schemas.openxmlformats.org/officeDocument/2006/relationships" xmlns:p="http://schemas.openxmlformats.org/presentationml/2006/main" type="titleOnly" preserve="1">
   <p:cSld name="Title Only">
     <p:spTree>
       <p:nvGrpSpPr>
@@ -856,10 +1000,11 @@
           </a:prstGeom>
         </p:spPr>
         <p:txBody>
-          <a:bodyPr lIns="0" rIns="0" tIns="0" bIns="0" anchor="ctr"/>
+          <a:bodyPr lIns="0" tIns="0" rIns="0" bIns="0" anchor="ctr"/>
+          <a:lstStyle/>
           <a:p>
             <a:pPr algn="ctr"/>
-            <a:endParaRPr b="0" lang="en-US" sz="4400" spc="-1" strike="noStrike">
+            <a:endParaRPr lang="en-US" sz="4400" b="0" strike="noStrike" spc="-1">
               <a:latin typeface="Arial"/>
             </a:endParaRPr>
           </a:p>
@@ -867,11 +1012,14 @@
       </p:sp>
     </p:spTree>
   </p:cSld>
+  <p:clrMapOvr>
+    <a:masterClrMapping/>
+  </p:clrMapOvr>
 </p:sldLayout>
 </file>
 
 <file path=ppt/slideLayouts/slideLayout6.xml><?xml version="1.0" encoding="utf-8"?>
-<p:sldLayout xmlns:a="http://schemas.openxmlformats.org/drawingml/2006/main" xmlns:p="http://schemas.openxmlformats.org/presentationml/2006/main" xmlns:r="http://schemas.openxmlformats.org/officeDocument/2006/relationships" xmlns:p14="http://schemas.microsoft.com/office/powerpoint/2010/main" xmlns:p15="http://schemas.microsoft.com/office/powerpoint/2012/main" xmlns:mc="http://schemas.openxmlformats.org/markup-compatibility/2006" type="objOnly" preserve="1">
+<p:sldLayout xmlns:a="http://schemas.openxmlformats.org/drawingml/2006/main" xmlns:r="http://schemas.openxmlformats.org/officeDocument/2006/relationships" xmlns:p="http://schemas.openxmlformats.org/presentationml/2006/main" type="objOnly" preserve="1">
   <p:cSld name="Centered Text">
     <p:spTree>
       <p:nvGrpSpPr>
@@ -907,10 +1055,11 @@
           </a:prstGeom>
         </p:spPr>
         <p:txBody>
-          <a:bodyPr lIns="0" rIns="0" tIns="0" bIns="0" anchor="ctr"/>
+          <a:bodyPr lIns="0" tIns="0" rIns="0" bIns="0" anchor="ctr"/>
+          <a:lstStyle/>
           <a:p>
             <a:pPr algn="ctr"/>
-            <a:endParaRPr b="0" lang="en-US" sz="3200" spc="-1" strike="noStrike">
+            <a:endParaRPr lang="en-US" sz="3200" b="0" strike="noStrike" spc="-1">
               <a:latin typeface="Arial"/>
             </a:endParaRPr>
           </a:p>
@@ -918,11 +1067,14 @@
       </p:sp>
     </p:spTree>
   </p:cSld>
+  <p:clrMapOvr>
+    <a:masterClrMapping/>
+  </p:clrMapOvr>
 </p:sldLayout>
 </file>
 
 <file path=ppt/slideLayouts/slideLayout7.xml><?xml version="1.0" encoding="utf-8"?>
-<p:sldLayout xmlns:a="http://schemas.openxmlformats.org/drawingml/2006/main" xmlns:p="http://schemas.openxmlformats.org/presentationml/2006/main" xmlns:r="http://schemas.openxmlformats.org/officeDocument/2006/relationships" xmlns:p14="http://schemas.microsoft.com/office/powerpoint/2010/main" xmlns:p15="http://schemas.microsoft.com/office/powerpoint/2012/main" xmlns:mc="http://schemas.openxmlformats.org/markup-compatibility/2006" type="twoObjAndObj" preserve="1">
+<p:sldLayout xmlns:a="http://schemas.openxmlformats.org/drawingml/2006/main" xmlns:r="http://schemas.openxmlformats.org/officeDocument/2006/relationships" xmlns:p="http://schemas.openxmlformats.org/presentationml/2006/main" type="twoObjAndObj" preserve="1">
   <p:cSld name="Title, 2 Content and Content">
     <p:spTree>
       <p:nvGrpSpPr>
@@ -958,10 +1110,11 @@
           </a:prstGeom>
         </p:spPr>
         <p:txBody>
-          <a:bodyPr lIns="0" rIns="0" tIns="0" bIns="0" anchor="ctr"/>
+          <a:bodyPr lIns="0" tIns="0" rIns="0" bIns="0" anchor="ctr"/>
+          <a:lstStyle/>
           <a:p>
             <a:pPr algn="ctr"/>
-            <a:endParaRPr b="0" lang="en-US" sz="4400" spc="-1" strike="noStrike">
+            <a:endParaRPr lang="en-US" sz="4400" b="0" strike="noStrike" spc="-1">
               <a:latin typeface="Arial"/>
             </a:endParaRPr>
           </a:p>
@@ -987,11 +1140,12 @@
           </a:prstGeom>
         </p:spPr>
         <p:txBody>
-          <a:bodyPr lIns="0" rIns="0" tIns="0" bIns="0">
+          <a:bodyPr lIns="0" tIns="0" rIns="0" bIns="0">
             <a:normAutofit/>
           </a:bodyPr>
-          <a:p>
-            <a:endParaRPr b="0" lang="en-US" sz="3200" spc="-1" strike="noStrike">
+          <a:lstStyle/>
+          <a:p>
+            <a:endParaRPr lang="en-US" sz="3200" b="0" strike="noStrike" spc="-1">
               <a:latin typeface="Arial"/>
             </a:endParaRPr>
           </a:p>
@@ -1017,11 +1171,12 @@
           </a:prstGeom>
         </p:spPr>
         <p:txBody>
-          <a:bodyPr lIns="0" rIns="0" tIns="0" bIns="0">
+          <a:bodyPr lIns="0" tIns="0" rIns="0" bIns="0">
             <a:normAutofit/>
           </a:bodyPr>
-          <a:p>
-            <a:endParaRPr b="0" lang="en-US" sz="3200" spc="-1" strike="noStrike">
+          <a:lstStyle/>
+          <a:p>
+            <a:endParaRPr lang="en-US" sz="3200" b="0" strike="noStrike" spc="-1">
               <a:latin typeface="Arial"/>
             </a:endParaRPr>
           </a:p>
@@ -1047,11 +1202,12 @@
           </a:prstGeom>
         </p:spPr>
         <p:txBody>
-          <a:bodyPr lIns="0" rIns="0" tIns="0" bIns="0">
+          <a:bodyPr lIns="0" tIns="0" rIns="0" bIns="0">
             <a:normAutofit/>
           </a:bodyPr>
-          <a:p>
-            <a:endParaRPr b="0" lang="en-US" sz="3200" spc="-1" strike="noStrike">
+          <a:lstStyle/>
+          <a:p>
+            <a:endParaRPr lang="en-US" sz="3200" b="0" strike="noStrike" spc="-1">
               <a:latin typeface="Arial"/>
             </a:endParaRPr>
           </a:p>
@@ -1059,11 +1215,14 @@
       </p:sp>
     </p:spTree>
   </p:cSld>
+  <p:clrMapOvr>
+    <a:masterClrMapping/>
+  </p:clrMapOvr>
 </p:sldLayout>
 </file>
 
 <file path=ppt/slideLayouts/slideLayout8.xml><?xml version="1.0" encoding="utf-8"?>
-<p:sldLayout xmlns:a="http://schemas.openxmlformats.org/drawingml/2006/main" xmlns:p="http://schemas.openxmlformats.org/presentationml/2006/main" xmlns:r="http://schemas.openxmlformats.org/officeDocument/2006/relationships" xmlns:p14="http://schemas.microsoft.com/office/powerpoint/2010/main" xmlns:p15="http://schemas.microsoft.com/office/powerpoint/2012/main" xmlns:mc="http://schemas.openxmlformats.org/markup-compatibility/2006" type="objAndTwoObj" preserve="1">
+<p:sldLayout xmlns:a="http://schemas.openxmlformats.org/drawingml/2006/main" xmlns:r="http://schemas.openxmlformats.org/officeDocument/2006/relationships" xmlns:p="http://schemas.openxmlformats.org/presentationml/2006/main" type="objAndTwoObj" preserve="1">
   <p:cSld name="Title Content and 2 Content">
     <p:spTree>
       <p:nvGrpSpPr>
@@ -1099,10 +1258,11 @@
           </a:prstGeom>
         </p:spPr>
         <p:txBody>
-          <a:bodyPr lIns="0" rIns="0" tIns="0" bIns="0" anchor="ctr"/>
+          <a:bodyPr lIns="0" tIns="0" rIns="0" bIns="0" anchor="ctr"/>
+          <a:lstStyle/>
           <a:p>
             <a:pPr algn="ctr"/>
-            <a:endParaRPr b="0" lang="en-US" sz="4400" spc="-1" strike="noStrike">
+            <a:endParaRPr lang="en-US" sz="4400" b="0" strike="noStrike" spc="-1">
               <a:latin typeface="Arial"/>
             </a:endParaRPr>
           </a:p>
@@ -1128,11 +1288,12 @@
           </a:prstGeom>
         </p:spPr>
         <p:txBody>
-          <a:bodyPr lIns="0" rIns="0" tIns="0" bIns="0">
+          <a:bodyPr lIns="0" tIns="0" rIns="0" bIns="0">
             <a:normAutofit/>
           </a:bodyPr>
-          <a:p>
-            <a:endParaRPr b="0" lang="en-US" sz="3200" spc="-1" strike="noStrike">
+          <a:lstStyle/>
+          <a:p>
+            <a:endParaRPr lang="en-US" sz="3200" b="0" strike="noStrike" spc="-1">
               <a:latin typeface="Arial"/>
             </a:endParaRPr>
           </a:p>
@@ -1158,11 +1319,12 @@
           </a:prstGeom>
         </p:spPr>
         <p:txBody>
-          <a:bodyPr lIns="0" rIns="0" tIns="0" bIns="0">
+          <a:bodyPr lIns="0" tIns="0" rIns="0" bIns="0">
             <a:normAutofit/>
           </a:bodyPr>
-          <a:p>
-            <a:endParaRPr b="0" lang="en-US" sz="3200" spc="-1" strike="noStrike">
+          <a:lstStyle/>
+          <a:p>
+            <a:endParaRPr lang="en-US" sz="3200" b="0" strike="noStrike" spc="-1">
               <a:latin typeface="Arial"/>
             </a:endParaRPr>
           </a:p>
@@ -1188,11 +1350,12 @@
           </a:prstGeom>
         </p:spPr>
         <p:txBody>
-          <a:bodyPr lIns="0" rIns="0" tIns="0" bIns="0">
+          <a:bodyPr lIns="0" tIns="0" rIns="0" bIns="0">
             <a:normAutofit/>
           </a:bodyPr>
-          <a:p>
-            <a:endParaRPr b="0" lang="en-US" sz="3200" spc="-1" strike="noStrike">
+          <a:lstStyle/>
+          <a:p>
+            <a:endParaRPr lang="en-US" sz="3200" b="0" strike="noStrike" spc="-1">
               <a:latin typeface="Arial"/>
             </a:endParaRPr>
           </a:p>
@@ -1200,11 +1363,14 @@
       </p:sp>
     </p:spTree>
   </p:cSld>
+  <p:clrMapOvr>
+    <a:masterClrMapping/>
+  </p:clrMapOvr>
 </p:sldLayout>
 </file>
 
 <file path=ppt/slideLayouts/slideLayout9.xml><?xml version="1.0" encoding="utf-8"?>
-<p:sldLayout xmlns:a="http://schemas.openxmlformats.org/drawingml/2006/main" xmlns:p="http://schemas.openxmlformats.org/presentationml/2006/main" xmlns:r="http://schemas.openxmlformats.org/officeDocument/2006/relationships" xmlns:p14="http://schemas.microsoft.com/office/powerpoint/2010/main" xmlns:p15="http://schemas.microsoft.com/office/powerpoint/2012/main" xmlns:mc="http://schemas.openxmlformats.org/markup-compatibility/2006" type="twoObjOverTx" preserve="1">
+<p:sldLayout xmlns:a="http://schemas.openxmlformats.org/drawingml/2006/main" xmlns:r="http://schemas.openxmlformats.org/officeDocument/2006/relationships" xmlns:p="http://schemas.openxmlformats.org/presentationml/2006/main" type="twoObjOverTx" preserve="1">
   <p:cSld name="Title, 2 Content over Content">
     <p:spTree>
       <p:nvGrpSpPr>
@@ -1240,10 +1406,11 @@
           </a:prstGeom>
         </p:spPr>
         <p:txBody>
-          <a:bodyPr lIns="0" rIns="0" tIns="0" bIns="0" anchor="ctr"/>
+          <a:bodyPr lIns="0" tIns="0" rIns="0" bIns="0" anchor="ctr"/>
+          <a:lstStyle/>
           <a:p>
             <a:pPr algn="ctr"/>
-            <a:endParaRPr b="0" lang="en-US" sz="4400" spc="-1" strike="noStrike">
+            <a:endParaRPr lang="en-US" sz="4400" b="0" strike="noStrike" spc="-1">
               <a:latin typeface="Arial"/>
             </a:endParaRPr>
           </a:p>
@@ -1269,11 +1436,12 @@
           </a:prstGeom>
         </p:spPr>
         <p:txBody>
-          <a:bodyPr lIns="0" rIns="0" tIns="0" bIns="0">
+          <a:bodyPr lIns="0" tIns="0" rIns="0" bIns="0">
             <a:normAutofit/>
           </a:bodyPr>
-          <a:p>
-            <a:endParaRPr b="0" lang="en-US" sz="3200" spc="-1" strike="noStrike">
+          <a:lstStyle/>
+          <a:p>
+            <a:endParaRPr lang="en-US" sz="3200" b="0" strike="noStrike" spc="-1">
               <a:latin typeface="Arial"/>
             </a:endParaRPr>
           </a:p>
@@ -1299,11 +1467,12 @@
           </a:prstGeom>
         </p:spPr>
         <p:txBody>
-          <a:bodyPr lIns="0" rIns="0" tIns="0" bIns="0">
+          <a:bodyPr lIns="0" tIns="0" rIns="0" bIns="0">
             <a:normAutofit/>
           </a:bodyPr>
-          <a:p>
-            <a:endParaRPr b="0" lang="en-US" sz="3200" spc="-1" strike="noStrike">
+          <a:lstStyle/>
+          <a:p>
+            <a:endParaRPr lang="en-US" sz="3200" b="0" strike="noStrike" spc="-1">
               <a:latin typeface="Arial"/>
             </a:endParaRPr>
           </a:p>
@@ -1329,11 +1498,12 @@
           </a:prstGeom>
         </p:spPr>
         <p:txBody>
-          <a:bodyPr lIns="0" rIns="0" tIns="0" bIns="0">
+          <a:bodyPr lIns="0" tIns="0" rIns="0" bIns="0">
             <a:normAutofit/>
           </a:bodyPr>
-          <a:p>
-            <a:endParaRPr b="0" lang="en-US" sz="3200" spc="-1" strike="noStrike">
+          <a:lstStyle/>
+          <a:p>
+            <a:endParaRPr lang="en-US" sz="3200" b="0" strike="noStrike" spc="-1">
               <a:latin typeface="Arial"/>
             </a:endParaRPr>
           </a:p>
@@ -1341,12 +1511,20 @@
       </p:sp>
     </p:spTree>
   </p:cSld>
+  <p:clrMapOvr>
+    <a:masterClrMapping/>
+  </p:clrMapOvr>
 </p:sldLayout>
 </file>
 
 <file path=ppt/slideMasters/slideMaster1.xml><?xml version="1.0" encoding="utf-8"?>
-<p:sldMaster xmlns:a="http://schemas.openxmlformats.org/drawingml/2006/main" xmlns:p="http://schemas.openxmlformats.org/presentationml/2006/main" xmlns:r="http://schemas.openxmlformats.org/officeDocument/2006/relationships" xmlns:p14="http://schemas.microsoft.com/office/powerpoint/2010/main" xmlns:p15="http://schemas.microsoft.com/office/powerpoint/2012/main" xmlns:mc="http://schemas.openxmlformats.org/markup-compatibility/2006">
+<p:sldMaster xmlns:a="http://schemas.openxmlformats.org/drawingml/2006/main" xmlns:r="http://schemas.openxmlformats.org/officeDocument/2006/relationships" xmlns:p="http://schemas.openxmlformats.org/presentationml/2006/main">
   <p:cSld>
+    <p:bg>
+      <p:bgRef idx="1001">
+        <a:schemeClr val="bg1"/>
+      </p:bgRef>
+    </p:bg>
     <p:spTree>
       <p:nvGrpSpPr>
         <p:cNvPr id="1" name=""/>
@@ -1363,26 +1541,306 @@
       </p:grpSpPr>
     </p:spTree>
   </p:cSld>
-  <p:clrMap bg1="lt1" bg2="lt2" tx1="dk1" tx2="dk2" accent1="accent1" accent2="accent2" accent3="accent3" accent4="accent4" accent5="accent5" accent6="accent6" hlink="hlink" folHlink="folHlink"/>
+  <p:clrMap bg1="lt1" tx1="dk1" bg2="lt2" tx2="dk2" accent1="accent1" accent2="accent2" accent3="accent3" accent4="accent4" accent5="accent5" accent6="accent6" hlink="hlink" folHlink="folHlink"/>
   <p:sldLayoutIdLst>
-    <p:sldLayoutId id="2147483649" r:id="rId2"/>
-    <p:sldLayoutId id="2147483650" r:id="rId3"/>
-    <p:sldLayoutId id="2147483651" r:id="rId4"/>
-    <p:sldLayoutId id="2147483652" r:id="rId5"/>
-    <p:sldLayoutId id="2147483653" r:id="rId6"/>
-    <p:sldLayoutId id="2147483654" r:id="rId7"/>
-    <p:sldLayoutId id="2147483655" r:id="rId8"/>
-    <p:sldLayoutId id="2147483656" r:id="rId9"/>
-    <p:sldLayoutId id="2147483657" r:id="rId10"/>
-    <p:sldLayoutId id="2147483658" r:id="rId11"/>
-    <p:sldLayoutId id="2147483659" r:id="rId12"/>
-    <p:sldLayoutId id="2147483660" r:id="rId13"/>
+    <p:sldLayoutId id="2147483649" r:id="rId1"/>
+    <p:sldLayoutId id="2147483650" r:id="rId2"/>
+    <p:sldLayoutId id="2147483651" r:id="rId3"/>
+    <p:sldLayoutId id="2147483652" r:id="rId4"/>
+    <p:sldLayoutId id="2147483653" r:id="rId5"/>
+    <p:sldLayoutId id="2147483654" r:id="rId6"/>
+    <p:sldLayoutId id="2147483655" r:id="rId7"/>
+    <p:sldLayoutId id="2147483656" r:id="rId8"/>
+    <p:sldLayoutId id="2147483657" r:id="rId9"/>
+    <p:sldLayoutId id="2147483658" r:id="rId10"/>
+    <p:sldLayoutId id="2147483659" r:id="rId11"/>
+    <p:sldLayoutId id="2147483660" r:id="rId12"/>
   </p:sldLayoutIdLst>
+  <p:txStyles>
+    <p:titleStyle>
+      <a:lvl1pPr algn="l" defTabSz="914400" rtl="0" eaLnBrk="1" latinLnBrk="0" hangingPunct="1">
+        <a:lnSpc>
+          <a:spcPct val="90000"/>
+        </a:lnSpc>
+        <a:spcBef>
+          <a:spcPct val="0"/>
+        </a:spcBef>
+        <a:buNone/>
+        <a:defRPr sz="4400" kern="1200">
+          <a:solidFill>
+            <a:schemeClr val="tx1"/>
+          </a:solidFill>
+          <a:latin typeface="+mj-lt"/>
+          <a:ea typeface="+mj-ea"/>
+          <a:cs typeface="+mj-cs"/>
+        </a:defRPr>
+      </a:lvl1pPr>
+    </p:titleStyle>
+    <p:bodyStyle>
+      <a:lvl1pPr marL="228600" indent="-228600" algn="l" defTabSz="914400" rtl="0" eaLnBrk="1" latinLnBrk="0" hangingPunct="1">
+        <a:lnSpc>
+          <a:spcPct val="90000"/>
+        </a:lnSpc>
+        <a:spcBef>
+          <a:spcPts val="1000"/>
+        </a:spcBef>
+        <a:buFont typeface="Arial" panose="020B0604020202020204" pitchFamily="34" charset="0"/>
+        <a:buChar char="•"/>
+        <a:defRPr sz="2800" kern="1200">
+          <a:solidFill>
+            <a:schemeClr val="tx1"/>
+          </a:solidFill>
+          <a:latin typeface="+mn-lt"/>
+          <a:ea typeface="+mn-ea"/>
+          <a:cs typeface="+mn-cs"/>
+        </a:defRPr>
+      </a:lvl1pPr>
+      <a:lvl2pPr marL="685800" indent="-228600" algn="l" defTabSz="914400" rtl="0" eaLnBrk="1" latinLnBrk="0" hangingPunct="1">
+        <a:lnSpc>
+          <a:spcPct val="90000"/>
+        </a:lnSpc>
+        <a:spcBef>
+          <a:spcPts val="500"/>
+        </a:spcBef>
+        <a:buFont typeface="Arial" panose="020B0604020202020204" pitchFamily="34" charset="0"/>
+        <a:buChar char="•"/>
+        <a:defRPr sz="2400" kern="1200">
+          <a:solidFill>
+            <a:schemeClr val="tx1"/>
+          </a:solidFill>
+          <a:latin typeface="+mn-lt"/>
+          <a:ea typeface="+mn-ea"/>
+          <a:cs typeface="+mn-cs"/>
+        </a:defRPr>
+      </a:lvl2pPr>
+      <a:lvl3pPr marL="1143000" indent="-228600" algn="l" defTabSz="914400" rtl="0" eaLnBrk="1" latinLnBrk="0" hangingPunct="1">
+        <a:lnSpc>
+          <a:spcPct val="90000"/>
+        </a:lnSpc>
+        <a:spcBef>
+          <a:spcPts val="500"/>
+        </a:spcBef>
+        <a:buFont typeface="Arial" panose="020B0604020202020204" pitchFamily="34" charset="0"/>
+        <a:buChar char="•"/>
+        <a:defRPr sz="2000" kern="1200">
+          <a:solidFill>
+            <a:schemeClr val="tx1"/>
+          </a:solidFill>
+          <a:latin typeface="+mn-lt"/>
+          <a:ea typeface="+mn-ea"/>
+          <a:cs typeface="+mn-cs"/>
+        </a:defRPr>
+      </a:lvl3pPr>
+      <a:lvl4pPr marL="1600200" indent="-228600" algn="l" defTabSz="914400" rtl="0" eaLnBrk="1" latinLnBrk="0" hangingPunct="1">
+        <a:lnSpc>
+          <a:spcPct val="90000"/>
+        </a:lnSpc>
+        <a:spcBef>
+          <a:spcPts val="500"/>
+        </a:spcBef>
+        <a:buFont typeface="Arial" panose="020B0604020202020204" pitchFamily="34" charset="0"/>
+        <a:buChar char="•"/>
+        <a:defRPr sz="1800" kern="1200">
+          <a:solidFill>
+            <a:schemeClr val="tx1"/>
+          </a:solidFill>
+          <a:latin typeface="+mn-lt"/>
+          <a:ea typeface="+mn-ea"/>
+          <a:cs typeface="+mn-cs"/>
+        </a:defRPr>
+      </a:lvl4pPr>
+      <a:lvl5pPr marL="2057400" indent="-228600" algn="l" defTabSz="914400" rtl="0" eaLnBrk="1" latinLnBrk="0" hangingPunct="1">
+        <a:lnSpc>
+          <a:spcPct val="90000"/>
+        </a:lnSpc>
+        <a:spcBef>
+          <a:spcPts val="500"/>
+        </a:spcBef>
+        <a:buFont typeface="Arial" panose="020B0604020202020204" pitchFamily="34" charset="0"/>
+        <a:buChar char="•"/>
+        <a:defRPr sz="1800" kern="1200">
+          <a:solidFill>
+            <a:schemeClr val="tx1"/>
+          </a:solidFill>
+          <a:latin typeface="+mn-lt"/>
+          <a:ea typeface="+mn-ea"/>
+          <a:cs typeface="+mn-cs"/>
+        </a:defRPr>
+      </a:lvl5pPr>
+      <a:lvl6pPr marL="2514600" indent="-228600" algn="l" defTabSz="914400" rtl="0" eaLnBrk="1" latinLnBrk="0" hangingPunct="1">
+        <a:lnSpc>
+          <a:spcPct val="90000"/>
+        </a:lnSpc>
+        <a:spcBef>
+          <a:spcPts val="500"/>
+        </a:spcBef>
+        <a:buFont typeface="Arial" panose="020B0604020202020204" pitchFamily="34" charset="0"/>
+        <a:buChar char="•"/>
+        <a:defRPr sz="1800" kern="1200">
+          <a:solidFill>
+            <a:schemeClr val="tx1"/>
+          </a:solidFill>
+          <a:latin typeface="+mn-lt"/>
+          <a:ea typeface="+mn-ea"/>
+          <a:cs typeface="+mn-cs"/>
+        </a:defRPr>
+      </a:lvl6pPr>
+      <a:lvl7pPr marL="2971800" indent="-228600" algn="l" defTabSz="914400" rtl="0" eaLnBrk="1" latinLnBrk="0" hangingPunct="1">
+        <a:lnSpc>
+          <a:spcPct val="90000"/>
+        </a:lnSpc>
+        <a:spcBef>
+          <a:spcPts val="500"/>
+        </a:spcBef>
+        <a:buFont typeface="Arial" panose="020B0604020202020204" pitchFamily="34" charset="0"/>
+        <a:buChar char="•"/>
+        <a:defRPr sz="1800" kern="1200">
+          <a:solidFill>
+            <a:schemeClr val="tx1"/>
+          </a:solidFill>
+          <a:latin typeface="+mn-lt"/>
+          <a:ea typeface="+mn-ea"/>
+          <a:cs typeface="+mn-cs"/>
+        </a:defRPr>
+      </a:lvl7pPr>
+      <a:lvl8pPr marL="3429000" indent="-228600" algn="l" defTabSz="914400" rtl="0" eaLnBrk="1" latinLnBrk="0" hangingPunct="1">
+        <a:lnSpc>
+          <a:spcPct val="90000"/>
+        </a:lnSpc>
+        <a:spcBef>
+          <a:spcPts val="500"/>
+        </a:spcBef>
+        <a:buFont typeface="Arial" panose="020B0604020202020204" pitchFamily="34" charset="0"/>
+        <a:buChar char="•"/>
+        <a:defRPr sz="1800" kern="1200">
+          <a:solidFill>
+            <a:schemeClr val="tx1"/>
+          </a:solidFill>
+          <a:latin typeface="+mn-lt"/>
+          <a:ea typeface="+mn-ea"/>
+          <a:cs typeface="+mn-cs"/>
+        </a:defRPr>
+      </a:lvl8pPr>
+      <a:lvl9pPr marL="3886200" indent="-228600" algn="l" defTabSz="914400" rtl="0" eaLnBrk="1" latinLnBrk="0" hangingPunct="1">
+        <a:lnSpc>
+          <a:spcPct val="90000"/>
+        </a:lnSpc>
+        <a:spcBef>
+          <a:spcPts val="500"/>
+        </a:spcBef>
+        <a:buFont typeface="Arial" panose="020B0604020202020204" pitchFamily="34" charset="0"/>
+        <a:buChar char="•"/>
+        <a:defRPr sz="1800" kern="1200">
+          <a:solidFill>
+            <a:schemeClr val="tx1"/>
+          </a:solidFill>
+          <a:latin typeface="+mn-lt"/>
+          <a:ea typeface="+mn-ea"/>
+          <a:cs typeface="+mn-cs"/>
+        </a:defRPr>
+      </a:lvl9pPr>
+    </p:bodyStyle>
+    <p:otherStyle>
+      <a:defPPr>
+        <a:defRPr lang="en-US"/>
+      </a:defPPr>
+      <a:lvl1pPr marL="0" algn="l" defTabSz="914400" rtl="0" eaLnBrk="1" latinLnBrk="0" hangingPunct="1">
+        <a:defRPr sz="1800" kern="1200">
+          <a:solidFill>
+            <a:schemeClr val="tx1"/>
+          </a:solidFill>
+          <a:latin typeface="+mn-lt"/>
+          <a:ea typeface="+mn-ea"/>
+          <a:cs typeface="+mn-cs"/>
+        </a:defRPr>
+      </a:lvl1pPr>
+      <a:lvl2pPr marL="457200" algn="l" defTabSz="914400" rtl="0" eaLnBrk="1" latinLnBrk="0" hangingPunct="1">
+        <a:defRPr sz="1800" kern="1200">
+          <a:solidFill>
+            <a:schemeClr val="tx1"/>
+          </a:solidFill>
+          <a:latin typeface="+mn-lt"/>
+          <a:ea typeface="+mn-ea"/>
+          <a:cs typeface="+mn-cs"/>
+        </a:defRPr>
+      </a:lvl2pPr>
+      <a:lvl3pPr marL="914400" algn="l" defTabSz="914400" rtl="0" eaLnBrk="1" latinLnBrk="0" hangingPunct="1">
+        <a:defRPr sz="1800" kern="1200">
+          <a:solidFill>
+            <a:schemeClr val="tx1"/>
+          </a:solidFill>
+          <a:latin typeface="+mn-lt"/>
+          <a:ea typeface="+mn-ea"/>
+          <a:cs typeface="+mn-cs"/>
+        </a:defRPr>
+      </a:lvl3pPr>
+      <a:lvl4pPr marL="1371600" algn="l" defTabSz="914400" rtl="0" eaLnBrk="1" latinLnBrk="0" hangingPunct="1">
+        <a:defRPr sz="1800" kern="1200">
+          <a:solidFill>
+            <a:schemeClr val="tx1"/>
+          </a:solidFill>
+          <a:latin typeface="+mn-lt"/>
+          <a:ea typeface="+mn-ea"/>
+          <a:cs typeface="+mn-cs"/>
+        </a:defRPr>
+      </a:lvl4pPr>
+      <a:lvl5pPr marL="1828800" algn="l" defTabSz="914400" rtl="0" eaLnBrk="1" latinLnBrk="0" hangingPunct="1">
+        <a:defRPr sz="1800" kern="1200">
+          <a:solidFill>
+            <a:schemeClr val="tx1"/>
+          </a:solidFill>
+          <a:latin typeface="+mn-lt"/>
+          <a:ea typeface="+mn-ea"/>
+          <a:cs typeface="+mn-cs"/>
+        </a:defRPr>
+      </a:lvl5pPr>
+      <a:lvl6pPr marL="2286000" algn="l" defTabSz="914400" rtl="0" eaLnBrk="1" latinLnBrk="0" hangingPunct="1">
+        <a:defRPr sz="1800" kern="1200">
+          <a:solidFill>
+            <a:schemeClr val="tx1"/>
+          </a:solidFill>
+          <a:latin typeface="+mn-lt"/>
+          <a:ea typeface="+mn-ea"/>
+          <a:cs typeface="+mn-cs"/>
+        </a:defRPr>
+      </a:lvl6pPr>
+      <a:lvl7pPr marL="2743200" algn="l" defTabSz="914400" rtl="0" eaLnBrk="1" latinLnBrk="0" hangingPunct="1">
+        <a:defRPr sz="1800" kern="1200">
+          <a:solidFill>
+            <a:schemeClr val="tx1"/>
+          </a:solidFill>
+          <a:latin typeface="+mn-lt"/>
+          <a:ea typeface="+mn-ea"/>
+          <a:cs typeface="+mn-cs"/>
+        </a:defRPr>
+      </a:lvl7pPr>
+      <a:lvl8pPr marL="3200400" algn="l" defTabSz="914400" rtl="0" eaLnBrk="1" latinLnBrk="0" hangingPunct="1">
+        <a:defRPr sz="1800" kern="1200">
+          <a:solidFill>
+            <a:schemeClr val="tx1"/>
+          </a:solidFill>
+          <a:latin typeface="+mn-lt"/>
+          <a:ea typeface="+mn-ea"/>
+          <a:cs typeface="+mn-cs"/>
+        </a:defRPr>
+      </a:lvl8pPr>
+      <a:lvl9pPr marL="3657600" algn="l" defTabSz="914400" rtl="0" eaLnBrk="1" latinLnBrk="0" hangingPunct="1">
+        <a:defRPr sz="1800" kern="1200">
+          <a:solidFill>
+            <a:schemeClr val="tx1"/>
+          </a:solidFill>
+          <a:latin typeface="+mn-lt"/>
+          <a:ea typeface="+mn-ea"/>
+          <a:cs typeface="+mn-cs"/>
+        </a:defRPr>
+      </a:lvl9pPr>
+    </p:otherStyle>
+  </p:txStyles>
 </p:sldMaster>
 </file>
 
 <file path=ppt/slides/slide1.xml><?xml version="1.0" encoding="utf-8"?>
-<p:sld xmlns:a="http://schemas.openxmlformats.org/drawingml/2006/main" xmlns:p="http://schemas.openxmlformats.org/presentationml/2006/main" xmlns:r="http://schemas.openxmlformats.org/officeDocument/2006/relationships" xmlns:p14="http://schemas.microsoft.com/office/powerpoint/2010/main" xmlns:p15="http://schemas.microsoft.com/office/powerpoint/2012/main" xmlns:mc="http://schemas.openxmlformats.org/markup-compatibility/2006">
+<p:sld xmlns:a="http://schemas.openxmlformats.org/drawingml/2006/main" xmlns:r="http://schemas.openxmlformats.org/officeDocument/2006/relationships" xmlns:p="http://schemas.openxmlformats.org/presentationml/2006/main">
   <p:cSld>
     <p:spTree>
       <p:nvGrpSpPr>
@@ -1400,19 +1858,19 @@
       </p:grpSpPr>
       <p:pic>
         <p:nvPicPr>
-          <p:cNvPr id="36" name="" descr=""/>
+          <p:cNvPr id="36" name="Picture 35"/>
           <p:cNvPicPr/>
           <p:nvPr/>
         </p:nvPicPr>
         <p:blipFill>
-          <a:blip r:embed="rId1"/>
-          <a:srcRect l="0" t="33297" r="0" b="50000"/>
+          <a:blip r:embed="rId2"/>
+          <a:srcRect t="33297" b="50000"/>
           <a:stretch/>
         </p:blipFill>
         <p:spPr>
           <a:xfrm>
-            <a:off x="1097280" y="1025280"/>
-            <a:ext cx="7680600" cy="372960"/>
+            <a:off x="1097280" y="1024920"/>
+            <a:ext cx="7753330" cy="373320"/>
           </a:xfrm>
           <a:prstGeom prst="rect">
             <a:avLst/>
@@ -1430,7 +1888,7 @@
         </p:nvSpPr>
         <p:spPr>
           <a:xfrm>
-            <a:off x="731520" y="986400"/>
+            <a:off x="764280" y="943020"/>
             <a:ext cx="456840" cy="345960"/>
           </a:xfrm>
           <a:prstGeom prst="rect">
@@ -1442,13 +1900,20 @@
           </a:ln>
         </p:spPr>
         <p:style>
-          <a:lnRef idx="0"/>
-          <a:fillRef idx="0"/>
-          <a:effectRef idx="0"/>
+          <a:lnRef idx="0">
+            <a:scrgbClr r="0" g="0" b="0"/>
+          </a:lnRef>
+          <a:fillRef idx="0">
+            <a:scrgbClr r="0" g="0" b="0"/>
+          </a:fillRef>
+          <a:effectRef idx="0">
+            <a:scrgbClr r="0" g="0" b="0"/>
+          </a:effectRef>
           <a:fontRef idx="minor"/>
         </p:style>
         <p:txBody>
-          <a:bodyPr lIns="90000" rIns="90000" tIns="45000" bIns="45000"/>
+          <a:bodyPr lIns="90000" tIns="45000" rIns="90000" bIns="45000"/>
+          <a:lstStyle/>
           <a:p>
             <a:pPr>
               <a:lnSpc>
@@ -1456,31 +1921,28 @@
               </a:lnSpc>
             </a:pPr>
             <a:r>
-              <a:rPr b="0" lang="en-US" sz="1800" spc="-1" strike="noStrike">
+              <a:rPr lang="en-US" sz="1800" b="0" strike="noStrike" spc="-1" dirty="0">
                 <a:latin typeface="Arial"/>
               </a:rPr>
               <a:t>B.</a:t>
             </a:r>
-            <a:endParaRPr b="0" lang="en-US" sz="1800" spc="-1" strike="noStrike">
-              <a:latin typeface="Arial"/>
-            </a:endParaRPr>
           </a:p>
         </p:txBody>
       </p:sp>
       <p:pic>
         <p:nvPicPr>
-          <p:cNvPr id="38" name="" descr=""/>
+          <p:cNvPr id="38" name="Picture 37"/>
           <p:cNvPicPr/>
           <p:nvPr/>
         </p:nvPicPr>
         <p:blipFill>
-          <a:blip r:embed="rId2"/>
-          <a:srcRect l="0" t="92081" r="0" b="0"/>
+          <a:blip r:embed="rId3"/>
+          <a:srcRect t="92081"/>
           <a:stretch/>
         </p:blipFill>
         <p:spPr>
           <a:xfrm>
-            <a:off x="1083600" y="2835000"/>
+            <a:off x="1213380" y="2527130"/>
             <a:ext cx="7968960" cy="182520"/>
           </a:xfrm>
           <a:prstGeom prst="rect">
@@ -1499,7 +1961,7 @@
         </p:nvSpPr>
         <p:spPr>
           <a:xfrm>
-            <a:off x="731520" y="1299240"/>
+            <a:off x="756540" y="1285200"/>
             <a:ext cx="456840" cy="346320"/>
           </a:xfrm>
           <a:prstGeom prst="rect">
@@ -1511,13 +1973,20 @@
           </a:ln>
         </p:spPr>
         <p:style>
-          <a:lnRef idx="0"/>
-          <a:fillRef idx="0"/>
-          <a:effectRef idx="0"/>
+          <a:lnRef idx="0">
+            <a:scrgbClr r="0" g="0" b="0"/>
+          </a:lnRef>
+          <a:fillRef idx="0">
+            <a:scrgbClr r="0" g="0" b="0"/>
+          </a:fillRef>
+          <a:effectRef idx="0">
+            <a:scrgbClr r="0" g="0" b="0"/>
+          </a:effectRef>
           <a:fontRef idx="minor"/>
         </p:style>
         <p:txBody>
-          <a:bodyPr lIns="90000" rIns="90000" tIns="45000" bIns="45000"/>
+          <a:bodyPr lIns="90000" tIns="45000" rIns="90000" bIns="45000"/>
+          <a:lstStyle/>
           <a:p>
             <a:pPr>
               <a:lnSpc>
@@ -1525,32 +1994,29 @@
               </a:lnSpc>
             </a:pPr>
             <a:r>
-              <a:rPr b="0" lang="en-US" sz="1800" spc="-1" strike="noStrike">
+              <a:rPr lang="en-US" sz="1800" b="0" strike="noStrike" spc="-1" dirty="0">
                 <a:latin typeface="Arial"/>
               </a:rPr>
               <a:t>C.</a:t>
             </a:r>
-            <a:endParaRPr b="0" lang="en-US" sz="1800" spc="-1" strike="noStrike">
-              <a:latin typeface="Arial"/>
-            </a:endParaRPr>
           </a:p>
         </p:txBody>
       </p:sp>
       <p:pic>
         <p:nvPicPr>
-          <p:cNvPr id="40" name="" descr=""/>
+          <p:cNvPr id="40" name="Picture 39"/>
           <p:cNvPicPr/>
           <p:nvPr/>
         </p:nvPicPr>
         <p:blipFill>
           <a:blip r:embed="rId3"/>
-          <a:srcRect l="0" t="33369" r="0" b="52034"/>
+          <a:srcRect t="33369" b="52034"/>
           <a:stretch/>
         </p:blipFill>
         <p:spPr>
           <a:xfrm>
-            <a:off x="1083240" y="1398600"/>
-            <a:ext cx="7968960" cy="338040"/>
+            <a:off x="1083240" y="1376280"/>
+            <a:ext cx="8011862" cy="360360"/>
           </a:xfrm>
           <a:prstGeom prst="rect">
             <a:avLst/>
@@ -1568,7 +2034,7 @@
         </p:nvSpPr>
         <p:spPr>
           <a:xfrm>
-            <a:off x="731520" y="640080"/>
+            <a:off x="764280" y="587880"/>
             <a:ext cx="424080" cy="345960"/>
           </a:xfrm>
           <a:prstGeom prst="rect">
@@ -1580,13 +2046,20 @@
           </a:ln>
         </p:spPr>
         <p:style>
-          <a:lnRef idx="0"/>
-          <a:fillRef idx="0"/>
-          <a:effectRef idx="0"/>
+          <a:lnRef idx="0">
+            <a:scrgbClr r="0" g="0" b="0"/>
+          </a:lnRef>
+          <a:fillRef idx="0">
+            <a:scrgbClr r="0" g="0" b="0"/>
+          </a:fillRef>
+          <a:effectRef idx="0">
+            <a:scrgbClr r="0" g="0" b="0"/>
+          </a:effectRef>
           <a:fontRef idx="minor"/>
         </p:style>
         <p:txBody>
-          <a:bodyPr lIns="90000" rIns="90000" tIns="45000" bIns="45000"/>
+          <a:bodyPr lIns="90000" tIns="45000" rIns="90000" bIns="45000"/>
+          <a:lstStyle/>
           <a:p>
             <a:pPr>
               <a:lnSpc>
@@ -1594,32 +2067,29 @@
               </a:lnSpc>
             </a:pPr>
             <a:r>
-              <a:rPr b="0" lang="en-US" sz="1800" spc="-1" strike="noStrike">
+              <a:rPr lang="en-US" sz="1800" b="0" strike="noStrike" spc="-1" dirty="0">
                 <a:latin typeface="Arial"/>
               </a:rPr>
               <a:t>A.</a:t>
             </a:r>
-            <a:endParaRPr b="0" lang="en-US" sz="1800" spc="-1" strike="noStrike">
-              <a:latin typeface="Arial"/>
-            </a:endParaRPr>
           </a:p>
         </p:txBody>
       </p:sp>
       <p:pic>
         <p:nvPicPr>
-          <p:cNvPr id="42" name="" descr=""/>
+          <p:cNvPr id="42" name="Picture 41"/>
           <p:cNvPicPr/>
           <p:nvPr/>
         </p:nvPicPr>
         <p:blipFill>
           <a:blip r:embed="rId4"/>
-          <a:srcRect l="0" t="35210" r="0" b="47165"/>
+          <a:srcRect t="35210" b="47165"/>
           <a:stretch/>
         </p:blipFill>
         <p:spPr>
           <a:xfrm>
-            <a:off x="1097280" y="669240"/>
-            <a:ext cx="7680600" cy="355680"/>
+            <a:off x="1097280" y="600480"/>
+            <a:ext cx="7792448" cy="424440"/>
           </a:xfrm>
           <a:prstGeom prst="rect">
             <a:avLst/>
@@ -1637,7 +2107,7 @@
         </p:nvSpPr>
         <p:spPr>
           <a:xfrm>
-            <a:off x="1097280" y="2103120"/>
+            <a:off x="1083240" y="2098299"/>
             <a:ext cx="8229240" cy="486720"/>
           </a:xfrm>
           <a:prstGeom prst="rect">
@@ -1649,13 +2119,20 @@
           </a:ln>
         </p:spPr>
         <p:style>
-          <a:lnRef idx="0"/>
-          <a:fillRef idx="0"/>
-          <a:effectRef idx="0"/>
+          <a:lnRef idx="0">
+            <a:scrgbClr r="0" g="0" b="0"/>
+          </a:lnRef>
+          <a:fillRef idx="0">
+            <a:scrgbClr r="0" g="0" b="0"/>
+          </a:fillRef>
+          <a:effectRef idx="0">
+            <a:scrgbClr r="0" g="0" b="0"/>
+          </a:effectRef>
           <a:fontRef idx="minor"/>
         </p:style>
         <p:txBody>
-          <a:bodyPr lIns="90000" rIns="90000" tIns="45000" bIns="45000"/>
+          <a:bodyPr lIns="90000" tIns="45000" rIns="90000" bIns="45000"/>
+          <a:lstStyle/>
           <a:p>
             <a:pPr>
               <a:lnSpc>
@@ -1663,14 +2140,11 @@
               </a:lnSpc>
             </a:pPr>
             <a:r>
-              <a:rPr b="0" lang="en-US" sz="1200" spc="-1" strike="noStrike">
+              <a:rPr lang="en-US" sz="1200" b="0" strike="noStrike" spc="-1" dirty="0">
                 <a:latin typeface="Arial"/>
               </a:rPr>
-              <a:t>1        50       100      150       200      250      300       350      400       450      500      550      600      650       700     747</a:t>
+              <a:t>1        50       100      150       200       250      300       350      400       450      500       550      600      650       700      747</a:t>
             </a:r>
-            <a:endParaRPr b="0" lang="en-US" sz="1200" spc="-1" strike="noStrike">
-              <a:latin typeface="Arial"/>
-            </a:endParaRPr>
           </a:p>
         </p:txBody>
       </p:sp>
@@ -1682,25 +2156,31 @@
         </p:nvSpPr>
         <p:spPr>
           <a:xfrm>
-            <a:off x="2377440" y="2834640"/>
+            <a:off x="2661050" y="2493093"/>
             <a:ext cx="1005480" cy="273960"/>
           </a:xfrm>
           <a:prstGeom prst="rect">
             <a:avLst/>
           </a:prstGeom>
           <a:solidFill>
-            <a:srgbClr val="ffffff"/>
+            <a:srgbClr val="FFFFFF"/>
           </a:solidFill>
           <a:ln>
             <a:solidFill>
-              <a:srgbClr val="ffffff"/>
+              <a:srgbClr val="FFFFFF"/>
             </a:solidFill>
           </a:ln>
         </p:spPr>
         <p:style>
-          <a:lnRef idx="0"/>
-          <a:fillRef idx="0"/>
-          <a:effectRef idx="0"/>
+          <a:lnRef idx="0">
+            <a:scrgbClr r="0" g="0" b="0"/>
+          </a:lnRef>
+          <a:fillRef idx="0">
+            <a:scrgbClr r="0" g="0" b="0"/>
+          </a:fillRef>
+          <a:effectRef idx="0">
+            <a:scrgbClr r="0" g="0" b="0"/>
+          </a:effectRef>
           <a:fontRef idx="minor"/>
         </p:style>
       </p:sp>
@@ -1712,7 +2192,7 @@
         </p:nvSpPr>
         <p:spPr>
           <a:xfrm>
-            <a:off x="2377440" y="2834640"/>
+            <a:off x="2551647" y="2493093"/>
             <a:ext cx="1371240" cy="260640"/>
           </a:xfrm>
           <a:prstGeom prst="rect">
@@ -1724,13 +2204,20 @@
           </a:ln>
         </p:spPr>
         <p:style>
-          <a:lnRef idx="0"/>
-          <a:fillRef idx="0"/>
-          <a:effectRef idx="0"/>
+          <a:lnRef idx="0">
+            <a:scrgbClr r="0" g="0" b="0"/>
+          </a:lnRef>
+          <a:fillRef idx="0">
+            <a:scrgbClr r="0" g="0" b="0"/>
+          </a:fillRef>
+          <a:effectRef idx="0">
+            <a:scrgbClr r="0" g="0" b="0"/>
+          </a:effectRef>
           <a:fontRef idx="minor"/>
         </p:style>
         <p:txBody>
-          <a:bodyPr lIns="90000" rIns="90000" tIns="45000" bIns="45000"/>
+          <a:bodyPr lIns="90000" tIns="45000" rIns="90000" bIns="45000"/>
+          <a:lstStyle/>
           <a:p>
             <a:pPr>
               <a:lnSpc>
@@ -1738,14 +2225,11 @@
               </a:lnSpc>
             </a:pPr>
             <a:r>
-              <a:rPr b="0" lang="en-US" sz="1200" spc="-1" strike="noStrike">
+              <a:rPr lang="en-US" sz="1200" b="0" strike="noStrike" spc="-1" dirty="0">
                 <a:latin typeface="Arial"/>
               </a:rPr>
               <a:t>Predicted helix</a:t>
             </a:r>
-            <a:endParaRPr b="0" lang="en-US" sz="1200" spc="-1" strike="noStrike">
-              <a:latin typeface="Arial"/>
-            </a:endParaRPr>
           </a:p>
         </p:txBody>
       </p:sp>
@@ -1757,25 +2241,31 @@
         </p:nvSpPr>
         <p:spPr>
           <a:xfrm>
-            <a:off x="6949800" y="2835000"/>
+            <a:off x="7043760" y="2481410"/>
             <a:ext cx="1005480" cy="273960"/>
           </a:xfrm>
           <a:prstGeom prst="rect">
             <a:avLst/>
           </a:prstGeom>
           <a:solidFill>
-            <a:srgbClr val="ffffff"/>
+            <a:srgbClr val="FFFFFF"/>
           </a:solidFill>
           <a:ln>
             <a:solidFill>
-              <a:srgbClr val="ffffff"/>
+              <a:srgbClr val="FFFFFF"/>
             </a:solidFill>
           </a:ln>
         </p:spPr>
         <p:style>
-          <a:lnRef idx="0"/>
-          <a:fillRef idx="0"/>
-          <a:effectRef idx="0"/>
+          <a:lnRef idx="0">
+            <a:scrgbClr r="0" g="0" b="0"/>
+          </a:lnRef>
+          <a:fillRef idx="0">
+            <a:scrgbClr r="0" g="0" b="0"/>
+          </a:fillRef>
+          <a:effectRef idx="0">
+            <a:scrgbClr r="0" g="0" b="0"/>
+          </a:effectRef>
           <a:fontRef idx="minor"/>
         </p:style>
       </p:sp>
@@ -1787,7 +2277,7 @@
         </p:nvSpPr>
         <p:spPr>
           <a:xfrm>
-            <a:off x="6863400" y="2835000"/>
+            <a:off x="6980756" y="2494010"/>
             <a:ext cx="1366200" cy="431280"/>
           </a:xfrm>
           <a:prstGeom prst="rect">
@@ -1799,13 +2289,20 @@
           </a:ln>
         </p:spPr>
         <p:style>
-          <a:lnRef idx="0"/>
-          <a:fillRef idx="0"/>
-          <a:effectRef idx="0"/>
+          <a:lnRef idx="0">
+            <a:scrgbClr r="0" g="0" b="0"/>
+          </a:lnRef>
+          <a:fillRef idx="0">
+            <a:scrgbClr r="0" g="0" b="0"/>
+          </a:fillRef>
+          <a:effectRef idx="0">
+            <a:scrgbClr r="0" g="0" b="0"/>
+          </a:effectRef>
           <a:fontRef idx="minor"/>
         </p:style>
         <p:txBody>
-          <a:bodyPr lIns="90000" rIns="90000" tIns="45000" bIns="45000"/>
+          <a:bodyPr lIns="90000" tIns="45000" rIns="90000" bIns="45000"/>
+          <a:lstStyle/>
           <a:p>
             <a:pPr>
               <a:lnSpc>
@@ -1813,26 +2310,23 @@
               </a:lnSpc>
             </a:pPr>
             <a:r>
-              <a:rPr b="0" lang="en-US" sz="1200" spc="-1" strike="noStrike">
+              <a:rPr lang="en-US" sz="1200" b="0" strike="noStrike" spc="-1" dirty="0">
                 <a:latin typeface="Arial"/>
               </a:rPr>
               <a:t>Predicted sheet</a:t>
             </a:r>
-            <a:endParaRPr b="0" lang="en-US" sz="1200" spc="-1" strike="noStrike">
-              <a:latin typeface="Arial"/>
-            </a:endParaRPr>
           </a:p>
         </p:txBody>
       </p:sp>
       <p:pic>
         <p:nvPicPr>
-          <p:cNvPr id="48" name="" descr=""/>
+          <p:cNvPr id="48" name="Picture 47"/>
           <p:cNvPicPr/>
           <p:nvPr/>
         </p:nvPicPr>
         <p:blipFill>
           <a:blip r:embed="rId5"/>
-          <a:srcRect l="0" t="8990" r="0" b="64579"/>
+          <a:srcRect t="8990" b="64579"/>
           <a:stretch/>
         </p:blipFill>
         <p:spPr>
@@ -1856,7 +2350,7 @@
         </p:nvSpPr>
         <p:spPr>
           <a:xfrm>
-            <a:off x="731520" y="1645560"/>
+            <a:off x="764280" y="1636200"/>
             <a:ext cx="409320" cy="346680"/>
           </a:xfrm>
           <a:prstGeom prst="rect">
@@ -1868,22 +2362,23 @@
           </a:ln>
         </p:spPr>
         <p:txBody>
-          <a:bodyPr lIns="90000" rIns="90000" tIns="45000" bIns="45000"/>
+          <a:bodyPr lIns="90000" tIns="45000" rIns="90000" bIns="45000"/>
+          <a:lstStyle/>
           <a:p>
             <a:r>
-              <a:rPr b="0" lang="en-US" sz="1800" spc="-1" strike="noStrike">
+              <a:rPr lang="en-US" sz="1800" b="0" strike="noStrike" spc="-1" dirty="0">
                 <a:latin typeface="Arial"/>
               </a:rPr>
               <a:t>D.</a:t>
             </a:r>
-            <a:endParaRPr b="0" lang="en-US" sz="1800" spc="-1" strike="noStrike">
-              <a:latin typeface="Arial"/>
-            </a:endParaRPr>
           </a:p>
         </p:txBody>
       </p:sp>
     </p:spTree>
   </p:cSld>
+  <p:clrMapOvr>
+    <a:masterClrMapping/>
+  </p:clrMapOvr>
   <p:timing>
     <p:tnLst>
       <p:par>
@@ -1892,14 +2387,14 @@
             <p:seq>
               <p:cTn id="2" dur="indefinite" nodeType="mainSeq"/>
               <p:prevCondLst>
-                <p:cond delay="0" evt="onPrev">
+                <p:cond evt="onPrev" delay="0">
                   <p:tgtEl>
                     <p:sldTgt/>
                   </p:tgtEl>
                 </p:cond>
               </p:prevCondLst>
               <p:nextCondLst>
-                <p:cond delay="0" evt="onNext">
+                <p:cond evt="onNext" delay="0">
                   <p:tgtEl>
                     <p:sldTgt/>
                   </p:tgtEl>
@@ -1914,6 +2409,292 @@
 </p:sld>
 </file>
 
+<file path=ppt/slides/slide2.xml><?xml version="1.0" encoding="utf-8"?>
+<p:sld xmlns:a="http://schemas.openxmlformats.org/drawingml/2006/main" xmlns:r="http://schemas.openxmlformats.org/officeDocument/2006/relationships" xmlns:p="http://schemas.openxmlformats.org/presentationml/2006/main">
+  <p:cSld>
+    <p:spTree>
+      <p:nvGrpSpPr>
+        <p:cNvPr id="1" name=""/>
+        <p:cNvGrpSpPr/>
+        <p:nvPr/>
+      </p:nvGrpSpPr>
+      <p:grpSpPr>
+        <a:xfrm>
+          <a:off x="0" y="0"/>
+          <a:ext cx="0" cy="0"/>
+          <a:chOff x="0" y="0"/>
+          <a:chExt cx="0" cy="0"/>
+        </a:xfrm>
+      </p:grpSpPr>
+      <p:pic>
+        <p:nvPicPr>
+          <p:cNvPr id="4" name="Picture 3">
+            <a:extLst>
+              <a:ext uri="{FF2B5EF4-FFF2-40B4-BE49-F238E27FC236}">
+                <a16:creationId xmlns:a16="http://schemas.microsoft.com/office/drawing/2014/main" id="{A40D4C6A-C5CF-43B3-871F-304866FE7527}"/>
+              </a:ext>
+            </a:extLst>
+          </p:cNvPr>
+          <p:cNvPicPr>
+            <a:picLocks noChangeAspect="1"/>
+          </p:cNvPicPr>
+          <p:nvPr/>
+        </p:nvPicPr>
+        <p:blipFill rotWithShape="1">
+          <a:blip r:embed="rId2"/>
+          <a:srcRect l="2336"/>
+          <a:stretch/>
+        </p:blipFill>
+        <p:spPr>
+          <a:xfrm>
+            <a:off x="422031" y="2273301"/>
+            <a:ext cx="4724433" cy="1877056"/>
+          </a:xfrm>
+          <a:prstGeom prst="rect">
+            <a:avLst/>
+          </a:prstGeom>
+        </p:spPr>
+      </p:pic>
+      <p:sp>
+        <p:nvSpPr>
+          <p:cNvPr id="5" name="TextBox 4">
+            <a:extLst>
+              <a:ext uri="{FF2B5EF4-FFF2-40B4-BE49-F238E27FC236}">
+                <a16:creationId xmlns:a16="http://schemas.microsoft.com/office/drawing/2014/main" id="{80BAC8BC-C630-409B-AEDC-C454A2FFAB22}"/>
+              </a:ext>
+            </a:extLst>
+          </p:cNvPr>
+          <p:cNvSpPr txBox="1"/>
+          <p:nvPr/>
+        </p:nvSpPr>
+        <p:spPr>
+          <a:xfrm>
+            <a:off x="43259" y="271462"/>
+            <a:ext cx="721519" cy="369332"/>
+          </a:xfrm>
+          <a:prstGeom prst="rect">
+            <a:avLst/>
+          </a:prstGeom>
+          <a:noFill/>
+        </p:spPr>
+        <p:txBody>
+          <a:bodyPr wrap="square" rtlCol="0">
+            <a:spAutoFit/>
+          </a:bodyPr>
+          <a:lstStyle/>
+          <a:p>
+            <a:r>
+              <a:rPr lang="en-US" dirty="0"/>
+              <a:t>A.</a:t>
+            </a:r>
+          </a:p>
+        </p:txBody>
+      </p:sp>
+      <p:pic>
+        <p:nvPicPr>
+          <p:cNvPr id="6" name="Picture 5">
+            <a:extLst>
+              <a:ext uri="{FF2B5EF4-FFF2-40B4-BE49-F238E27FC236}">
+                <a16:creationId xmlns:a16="http://schemas.microsoft.com/office/drawing/2014/main" id="{75F70E8D-712A-4D41-9053-E28FB995F1ED}"/>
+              </a:ext>
+            </a:extLst>
+          </p:cNvPr>
+          <p:cNvPicPr>
+            <a:picLocks noChangeAspect="1"/>
+          </p:cNvPicPr>
+          <p:nvPr/>
+        </p:nvPicPr>
+        <p:blipFill>
+          <a:blip r:embed="rId3"/>
+          <a:stretch>
+            <a:fillRect/>
+          </a:stretch>
+        </p:blipFill>
+        <p:spPr>
+          <a:xfrm>
+            <a:off x="323393" y="271462"/>
+            <a:ext cx="4574054" cy="1684414"/>
+          </a:xfrm>
+          <a:prstGeom prst="rect">
+            <a:avLst/>
+          </a:prstGeom>
+        </p:spPr>
+      </p:pic>
+      <p:sp>
+        <p:nvSpPr>
+          <p:cNvPr id="7" name="Rectangle 6">
+            <a:extLst>
+              <a:ext uri="{FF2B5EF4-FFF2-40B4-BE49-F238E27FC236}">
+                <a16:creationId xmlns:a16="http://schemas.microsoft.com/office/drawing/2014/main" id="{B2CAB6CE-1998-43ED-8443-489388284EE8}"/>
+              </a:ext>
+            </a:extLst>
+          </p:cNvPr>
+          <p:cNvSpPr/>
+          <p:nvPr/>
+        </p:nvSpPr>
+        <p:spPr>
+          <a:xfrm>
+            <a:off x="115644" y="2465943"/>
+            <a:ext cx="415498" cy="369332"/>
+          </a:xfrm>
+          <a:prstGeom prst="rect">
+            <a:avLst/>
+          </a:prstGeom>
+        </p:spPr>
+        <p:txBody>
+          <a:bodyPr wrap="none">
+            <a:spAutoFit/>
+          </a:bodyPr>
+          <a:lstStyle/>
+          <a:p>
+            <a:r>
+              <a:rPr lang="en-US" dirty="0"/>
+              <a:t>C.</a:t>
+            </a:r>
+          </a:p>
+        </p:txBody>
+      </p:sp>
+      <p:sp>
+        <p:nvSpPr>
+          <p:cNvPr id="8" name="Rectangle 7">
+            <a:extLst>
+              <a:ext uri="{FF2B5EF4-FFF2-40B4-BE49-F238E27FC236}">
+                <a16:creationId xmlns:a16="http://schemas.microsoft.com/office/drawing/2014/main" id="{1567D5D3-58FC-43F3-BDC1-11CCA4887167}"/>
+              </a:ext>
+            </a:extLst>
+          </p:cNvPr>
+          <p:cNvSpPr/>
+          <p:nvPr/>
+        </p:nvSpPr>
+        <p:spPr>
+          <a:xfrm>
+            <a:off x="4851136" y="383654"/>
+            <a:ext cx="402674" cy="369332"/>
+          </a:xfrm>
+          <a:prstGeom prst="rect">
+            <a:avLst/>
+          </a:prstGeom>
+        </p:spPr>
+        <p:txBody>
+          <a:bodyPr wrap="none">
+            <a:spAutoFit/>
+          </a:bodyPr>
+          <a:lstStyle/>
+          <a:p>
+            <a:r>
+              <a:rPr lang="en-US" dirty="0"/>
+              <a:t>B.</a:t>
+            </a:r>
+          </a:p>
+        </p:txBody>
+      </p:sp>
+      <p:pic>
+        <p:nvPicPr>
+          <p:cNvPr id="9" name="Picture 8">
+            <a:extLst>
+              <a:ext uri="{FF2B5EF4-FFF2-40B4-BE49-F238E27FC236}">
+                <a16:creationId xmlns:a16="http://schemas.microsoft.com/office/drawing/2014/main" id="{BF987781-69BD-43D7-AA5F-7CA2E632649E}"/>
+              </a:ext>
+            </a:extLst>
+          </p:cNvPr>
+          <p:cNvPicPr>
+            <a:picLocks noChangeAspect="1"/>
+          </p:cNvPicPr>
+          <p:nvPr/>
+        </p:nvPicPr>
+        <p:blipFill>
+          <a:blip r:embed="rId4"/>
+          <a:stretch>
+            <a:fillRect/>
+          </a:stretch>
+        </p:blipFill>
+        <p:spPr>
+          <a:xfrm>
+            <a:off x="5193506" y="314026"/>
+            <a:ext cx="4692650" cy="1684414"/>
+          </a:xfrm>
+          <a:prstGeom prst="rect">
+            <a:avLst/>
+          </a:prstGeom>
+        </p:spPr>
+      </p:pic>
+      <p:sp>
+        <p:nvSpPr>
+          <p:cNvPr id="10" name="Rectangle 9">
+            <a:extLst>
+              <a:ext uri="{FF2B5EF4-FFF2-40B4-BE49-F238E27FC236}">
+                <a16:creationId xmlns:a16="http://schemas.microsoft.com/office/drawing/2014/main" id="{80EA6B1D-20DC-4DDF-849F-23245AEC4FA9}"/>
+              </a:ext>
+            </a:extLst>
+          </p:cNvPr>
+          <p:cNvSpPr/>
+          <p:nvPr/>
+        </p:nvSpPr>
+        <p:spPr>
+          <a:xfrm>
+            <a:off x="4985757" y="2467257"/>
+            <a:ext cx="415498" cy="369332"/>
+          </a:xfrm>
+          <a:prstGeom prst="rect">
+            <a:avLst/>
+          </a:prstGeom>
+        </p:spPr>
+        <p:txBody>
+          <a:bodyPr wrap="none">
+            <a:spAutoFit/>
+          </a:bodyPr>
+          <a:lstStyle/>
+          <a:p>
+            <a:r>
+              <a:rPr lang="en-US" dirty="0"/>
+              <a:t>D.</a:t>
+            </a:r>
+          </a:p>
+        </p:txBody>
+      </p:sp>
+      <p:pic>
+        <p:nvPicPr>
+          <p:cNvPr id="11" name="Picture 10">
+            <a:extLst>
+              <a:ext uri="{FF2B5EF4-FFF2-40B4-BE49-F238E27FC236}">
+                <a16:creationId xmlns:a16="http://schemas.microsoft.com/office/drawing/2014/main" id="{9C57799B-F8A9-4C0E-89E4-F033DC8FC74C}"/>
+              </a:ext>
+            </a:extLst>
+          </p:cNvPr>
+          <p:cNvPicPr>
+            <a:picLocks noChangeAspect="1"/>
+          </p:cNvPicPr>
+          <p:nvPr/>
+        </p:nvPicPr>
+        <p:blipFill>
+          <a:blip r:embed="rId5"/>
+          <a:stretch>
+            <a:fillRect/>
+          </a:stretch>
+        </p:blipFill>
+        <p:spPr>
+          <a:xfrm>
+            <a:off x="5275140" y="2465943"/>
+            <a:ext cx="4689841" cy="1684414"/>
+          </a:xfrm>
+          <a:prstGeom prst="rect">
+            <a:avLst/>
+          </a:prstGeom>
+        </p:spPr>
+      </p:pic>
+    </p:spTree>
+    <p:extLst>
+      <p:ext uri="{BB962C8B-B14F-4D97-AF65-F5344CB8AC3E}">
+        <p14:creationId xmlns:p14="http://schemas.microsoft.com/office/powerpoint/2010/main" val="3642719850"/>
+      </p:ext>
+    </p:extLst>
+  </p:cSld>
+  <p:clrMapOvr>
+    <a:masterClrMapping/>
+  </p:clrMapOvr>
+</p:sld>
+</file>
+
 <file path=ppt/theme/theme1.xml><?xml version="1.0" encoding="utf-8"?>
 <a:theme xmlns:a="http://schemas.openxmlformats.org/drawingml/2006/main" name="Office Theme">
   <a:themeElements>
@@ -1925,31 +2706,31 @@
         <a:sysClr val="window" lastClr="FFFFFF"/>
       </a:lt1>
       <a:dk2>
-        <a:srgbClr val="1f497d"/>
+        <a:srgbClr val="1F497D"/>
       </a:dk2>
       <a:lt2>
-        <a:srgbClr val="eeece1"/>
+        <a:srgbClr val="EEECE1"/>
       </a:lt2>
       <a:accent1>
-        <a:srgbClr val="4f81bd"/>
+        <a:srgbClr val="4F81BD"/>
       </a:accent1>
       <a:accent2>
-        <a:srgbClr val="c0504d"/>
+        <a:srgbClr val="C0504D"/>
       </a:accent2>
       <a:accent3>
-        <a:srgbClr val="9bbb59"/>
+        <a:srgbClr val="9BBB59"/>
       </a:accent3>
       <a:accent4>
-        <a:srgbClr val="8064a2"/>
+        <a:srgbClr val="8064A2"/>
       </a:accent4>
       <a:accent5>
-        <a:srgbClr val="4bacc6"/>
+        <a:srgbClr val="4BACC6"/>
       </a:accent5>
       <a:accent6>
-        <a:srgbClr val="f79646"/>
+        <a:srgbClr val="F79646"/>
       </a:accent6>
       <a:hlink>
-        <a:srgbClr val="0000ff"/>
+        <a:srgbClr val="0000FF"/>
       </a:hlink>
       <a:folHlink>
         <a:srgbClr val="800080"/>
@@ -2134,5 +2915,7 @@
       </a:bgFillStyleLst>
     </a:fmtScheme>
   </a:themeElements>
+  <a:objectDefaults/>
+  <a:extraClrSchemeLst/>
 </a:theme>
 </file>
--- a/Working_Figures.pptx
+++ b/Working_Figures.pptx
@@ -4,9 +4,13 @@
   <p:sldMasterIdLst>
     <p:sldMasterId id="2147483648" r:id="rId1"/>
   </p:sldMasterIdLst>
+  <p:notesMasterIdLst>
+    <p:notesMasterId r:id="rId5"/>
+  </p:notesMasterIdLst>
   <p:sldIdLst>
     <p:sldId id="256" r:id="rId2"/>
     <p:sldId id="257" r:id="rId3"/>
+    <p:sldId id="259" r:id="rId4"/>
   </p:sldIdLst>
   <p:sldSz cx="10080625" cy="5670550"/>
   <p:notesSz cx="7772400" cy="10058400"/>
@@ -111,6 +115,458 @@
     </p:ext>
   </p:extLst>
 </p:presentation>
+</file>
+
+<file path=ppt/notesMasters/notesMaster1.xml><?xml version="1.0" encoding="utf-8"?>
+<p:notesMaster xmlns:a="http://schemas.openxmlformats.org/drawingml/2006/main" xmlns:r="http://schemas.openxmlformats.org/officeDocument/2006/relationships" xmlns:p="http://schemas.openxmlformats.org/presentationml/2006/main">
+  <p:cSld>
+    <p:bg>
+      <p:bgRef idx="1001">
+        <a:schemeClr val="bg1"/>
+      </p:bgRef>
+    </p:bg>
+    <p:spTree>
+      <p:nvGrpSpPr>
+        <p:cNvPr id="1" name=""/>
+        <p:cNvGrpSpPr/>
+        <p:nvPr/>
+      </p:nvGrpSpPr>
+      <p:grpSpPr>
+        <a:xfrm>
+          <a:off x="0" y="0"/>
+          <a:ext cx="0" cy="0"/>
+          <a:chOff x="0" y="0"/>
+          <a:chExt cx="0" cy="0"/>
+        </a:xfrm>
+      </p:grpSpPr>
+      <p:sp>
+        <p:nvSpPr>
+          <p:cNvPr id="2" name="Header Placeholder 1"/>
+          <p:cNvSpPr>
+            <a:spLocks noGrp="1"/>
+          </p:cNvSpPr>
+          <p:nvPr>
+            <p:ph type="hdr" sz="quarter"/>
+          </p:nvPr>
+        </p:nvSpPr>
+        <p:spPr>
+          <a:xfrm>
+            <a:off x="0" y="0"/>
+            <a:ext cx="3368675" cy="504825"/>
+          </a:xfrm>
+          <a:prstGeom prst="rect">
+            <a:avLst/>
+          </a:prstGeom>
+        </p:spPr>
+        <p:txBody>
+          <a:bodyPr vert="horz" lIns="91440" tIns="45720" rIns="91440" bIns="45720" rtlCol="0"/>
+          <a:lstStyle>
+            <a:lvl1pPr algn="l">
+              <a:defRPr sz="1200"/>
+            </a:lvl1pPr>
+          </a:lstStyle>
+          <a:p>
+            <a:endParaRPr lang="en-US"/>
+          </a:p>
+        </p:txBody>
+      </p:sp>
+      <p:sp>
+        <p:nvSpPr>
+          <p:cNvPr id="3" name="Date Placeholder 2"/>
+          <p:cNvSpPr>
+            <a:spLocks noGrp="1"/>
+          </p:cNvSpPr>
+          <p:nvPr>
+            <p:ph type="dt" idx="1"/>
+          </p:nvPr>
+        </p:nvSpPr>
+        <p:spPr>
+          <a:xfrm>
+            <a:off x="4402138" y="0"/>
+            <a:ext cx="3368675" cy="504825"/>
+          </a:xfrm>
+          <a:prstGeom prst="rect">
+            <a:avLst/>
+          </a:prstGeom>
+        </p:spPr>
+        <p:txBody>
+          <a:bodyPr vert="horz" lIns="91440" tIns="45720" rIns="91440" bIns="45720" rtlCol="0"/>
+          <a:lstStyle>
+            <a:lvl1pPr algn="r">
+              <a:defRPr sz="1200"/>
+            </a:lvl1pPr>
+          </a:lstStyle>
+          <a:p>
+            <a:fld id="{F7011294-97E5-4380-A441-0ED839E901F5}" type="datetimeFigureOut">
+              <a:rPr lang="en-US" smtClean="0"/>
+              <a:t>10/6/2020</a:t>
+            </a:fld>
+            <a:endParaRPr lang="en-US"/>
+          </a:p>
+        </p:txBody>
+      </p:sp>
+      <p:sp>
+        <p:nvSpPr>
+          <p:cNvPr id="4" name="Slide Image Placeholder 3"/>
+          <p:cNvSpPr>
+            <a:spLocks noGrp="1" noRot="1" noChangeAspect="1"/>
+          </p:cNvSpPr>
+          <p:nvPr>
+            <p:ph type="sldImg" idx="2"/>
+          </p:nvPr>
+        </p:nvSpPr>
+        <p:spPr>
+          <a:xfrm>
+            <a:off x="869950" y="1257300"/>
+            <a:ext cx="6032500" cy="3394075"/>
+          </a:xfrm>
+          <a:prstGeom prst="rect">
+            <a:avLst/>
+          </a:prstGeom>
+          <a:noFill/>
+          <a:ln w="12700">
+            <a:solidFill>
+              <a:prstClr val="black"/>
+            </a:solidFill>
+          </a:ln>
+        </p:spPr>
+        <p:txBody>
+          <a:bodyPr vert="horz" lIns="91440" tIns="45720" rIns="91440" bIns="45720" rtlCol="0" anchor="ctr"/>
+          <a:lstStyle/>
+          <a:p>
+            <a:endParaRPr lang="en-US"/>
+          </a:p>
+        </p:txBody>
+      </p:sp>
+      <p:sp>
+        <p:nvSpPr>
+          <p:cNvPr id="5" name="Notes Placeholder 4"/>
+          <p:cNvSpPr>
+            <a:spLocks noGrp="1"/>
+          </p:cNvSpPr>
+          <p:nvPr>
+            <p:ph type="body" sz="quarter" idx="3"/>
+          </p:nvPr>
+        </p:nvSpPr>
+        <p:spPr>
+          <a:xfrm>
+            <a:off x="777875" y="4840288"/>
+            <a:ext cx="6216650" cy="3960812"/>
+          </a:xfrm>
+          <a:prstGeom prst="rect">
+            <a:avLst/>
+          </a:prstGeom>
+        </p:spPr>
+        <p:txBody>
+          <a:bodyPr vert="horz" lIns="91440" tIns="45720" rIns="91440" bIns="45720" rtlCol="0"/>
+          <a:lstStyle/>
+          <a:p>
+            <a:pPr lvl="0"/>
+            <a:r>
+              <a:rPr lang="en-US"/>
+              <a:t>Click to edit Master text styles</a:t>
+            </a:r>
+          </a:p>
+          <a:p>
+            <a:pPr lvl="1"/>
+            <a:r>
+              <a:rPr lang="en-US"/>
+              <a:t>Second level</a:t>
+            </a:r>
+          </a:p>
+          <a:p>
+            <a:pPr lvl="2"/>
+            <a:r>
+              <a:rPr lang="en-US"/>
+              <a:t>Third level</a:t>
+            </a:r>
+          </a:p>
+          <a:p>
+            <a:pPr lvl="3"/>
+            <a:r>
+              <a:rPr lang="en-US"/>
+              <a:t>Fourth level</a:t>
+            </a:r>
+          </a:p>
+          <a:p>
+            <a:pPr lvl="4"/>
+            <a:r>
+              <a:rPr lang="en-US"/>
+              <a:t>Fifth level</a:t>
+            </a:r>
+          </a:p>
+        </p:txBody>
+      </p:sp>
+      <p:sp>
+        <p:nvSpPr>
+          <p:cNvPr id="6" name="Footer Placeholder 5"/>
+          <p:cNvSpPr>
+            <a:spLocks noGrp="1"/>
+          </p:cNvSpPr>
+          <p:nvPr>
+            <p:ph type="ftr" sz="quarter" idx="4"/>
+          </p:nvPr>
+        </p:nvSpPr>
+        <p:spPr>
+          <a:xfrm>
+            <a:off x="0" y="9553575"/>
+            <a:ext cx="3368675" cy="504825"/>
+          </a:xfrm>
+          <a:prstGeom prst="rect">
+            <a:avLst/>
+          </a:prstGeom>
+        </p:spPr>
+        <p:txBody>
+          <a:bodyPr vert="horz" lIns="91440" tIns="45720" rIns="91440" bIns="45720" rtlCol="0" anchor="b"/>
+          <a:lstStyle>
+            <a:lvl1pPr algn="l">
+              <a:defRPr sz="1200"/>
+            </a:lvl1pPr>
+          </a:lstStyle>
+          <a:p>
+            <a:endParaRPr lang="en-US"/>
+          </a:p>
+        </p:txBody>
+      </p:sp>
+      <p:sp>
+        <p:nvSpPr>
+          <p:cNvPr id="7" name="Slide Number Placeholder 6"/>
+          <p:cNvSpPr>
+            <a:spLocks noGrp="1"/>
+          </p:cNvSpPr>
+          <p:nvPr>
+            <p:ph type="sldNum" sz="quarter" idx="5"/>
+          </p:nvPr>
+        </p:nvSpPr>
+        <p:spPr>
+          <a:xfrm>
+            <a:off x="4402138" y="9553575"/>
+            <a:ext cx="3368675" cy="504825"/>
+          </a:xfrm>
+          <a:prstGeom prst="rect">
+            <a:avLst/>
+          </a:prstGeom>
+        </p:spPr>
+        <p:txBody>
+          <a:bodyPr vert="horz" lIns="91440" tIns="45720" rIns="91440" bIns="45720" rtlCol="0" anchor="b"/>
+          <a:lstStyle>
+            <a:lvl1pPr algn="r">
+              <a:defRPr sz="1200"/>
+            </a:lvl1pPr>
+          </a:lstStyle>
+          <a:p>
+            <a:fld id="{9E959E3E-E3FD-472E-B037-42F568D15646}" type="slidenum">
+              <a:rPr lang="en-US" smtClean="0"/>
+              <a:t>‹#›</a:t>
+            </a:fld>
+            <a:endParaRPr lang="en-US"/>
+          </a:p>
+        </p:txBody>
+      </p:sp>
+    </p:spTree>
+    <p:extLst>
+      <p:ext uri="{BB962C8B-B14F-4D97-AF65-F5344CB8AC3E}">
+        <p14:creationId xmlns:p14="http://schemas.microsoft.com/office/powerpoint/2010/main" val="838768515"/>
+      </p:ext>
+    </p:extLst>
+  </p:cSld>
+  <p:clrMap bg1="lt1" tx1="dk1" bg2="lt2" tx2="dk2" accent1="accent1" accent2="accent2" accent3="accent3" accent4="accent4" accent5="accent5" accent6="accent6" hlink="hlink" folHlink="folHlink"/>
+  <p:notesStyle>
+    <a:lvl1pPr marL="0" algn="l" defTabSz="914400" rtl="0" eaLnBrk="1" latinLnBrk="0" hangingPunct="1">
+      <a:defRPr sz="1200" kern="1200">
+        <a:solidFill>
+          <a:schemeClr val="tx1"/>
+        </a:solidFill>
+        <a:latin typeface="+mn-lt"/>
+        <a:ea typeface="+mn-ea"/>
+        <a:cs typeface="+mn-cs"/>
+      </a:defRPr>
+    </a:lvl1pPr>
+    <a:lvl2pPr marL="457200" algn="l" defTabSz="914400" rtl="0" eaLnBrk="1" latinLnBrk="0" hangingPunct="1">
+      <a:defRPr sz="1200" kern="1200">
+        <a:solidFill>
+          <a:schemeClr val="tx1"/>
+        </a:solidFill>
+        <a:latin typeface="+mn-lt"/>
+        <a:ea typeface="+mn-ea"/>
+        <a:cs typeface="+mn-cs"/>
+      </a:defRPr>
+    </a:lvl2pPr>
+    <a:lvl3pPr marL="914400" algn="l" defTabSz="914400" rtl="0" eaLnBrk="1" latinLnBrk="0" hangingPunct="1">
+      <a:defRPr sz="1200" kern="1200">
+        <a:solidFill>
+          <a:schemeClr val="tx1"/>
+        </a:solidFill>
+        <a:latin typeface="+mn-lt"/>
+        <a:ea typeface="+mn-ea"/>
+        <a:cs typeface="+mn-cs"/>
+      </a:defRPr>
+    </a:lvl3pPr>
+    <a:lvl4pPr marL="1371600" algn="l" defTabSz="914400" rtl="0" eaLnBrk="1" latinLnBrk="0" hangingPunct="1">
+      <a:defRPr sz="1200" kern="1200">
+        <a:solidFill>
+          <a:schemeClr val="tx1"/>
+        </a:solidFill>
+        <a:latin typeface="+mn-lt"/>
+        <a:ea typeface="+mn-ea"/>
+        <a:cs typeface="+mn-cs"/>
+      </a:defRPr>
+    </a:lvl4pPr>
+    <a:lvl5pPr marL="1828800" algn="l" defTabSz="914400" rtl="0" eaLnBrk="1" latinLnBrk="0" hangingPunct="1">
+      <a:defRPr sz="1200" kern="1200">
+        <a:solidFill>
+          <a:schemeClr val="tx1"/>
+        </a:solidFill>
+        <a:latin typeface="+mn-lt"/>
+        <a:ea typeface="+mn-ea"/>
+        <a:cs typeface="+mn-cs"/>
+      </a:defRPr>
+    </a:lvl5pPr>
+    <a:lvl6pPr marL="2286000" algn="l" defTabSz="914400" rtl="0" eaLnBrk="1" latinLnBrk="0" hangingPunct="1">
+      <a:defRPr sz="1200" kern="1200">
+        <a:solidFill>
+          <a:schemeClr val="tx1"/>
+        </a:solidFill>
+        <a:latin typeface="+mn-lt"/>
+        <a:ea typeface="+mn-ea"/>
+        <a:cs typeface="+mn-cs"/>
+      </a:defRPr>
+    </a:lvl6pPr>
+    <a:lvl7pPr marL="2743200" algn="l" defTabSz="914400" rtl="0" eaLnBrk="1" latinLnBrk="0" hangingPunct="1">
+      <a:defRPr sz="1200" kern="1200">
+        <a:solidFill>
+          <a:schemeClr val="tx1"/>
+        </a:solidFill>
+        <a:latin typeface="+mn-lt"/>
+        <a:ea typeface="+mn-ea"/>
+        <a:cs typeface="+mn-cs"/>
+      </a:defRPr>
+    </a:lvl7pPr>
+    <a:lvl8pPr marL="3200400" algn="l" defTabSz="914400" rtl="0" eaLnBrk="1" latinLnBrk="0" hangingPunct="1">
+      <a:defRPr sz="1200" kern="1200">
+        <a:solidFill>
+          <a:schemeClr val="tx1"/>
+        </a:solidFill>
+        <a:latin typeface="+mn-lt"/>
+        <a:ea typeface="+mn-ea"/>
+        <a:cs typeface="+mn-cs"/>
+      </a:defRPr>
+    </a:lvl8pPr>
+    <a:lvl9pPr marL="3657600" algn="l" defTabSz="914400" rtl="0" eaLnBrk="1" latinLnBrk="0" hangingPunct="1">
+      <a:defRPr sz="1200" kern="1200">
+        <a:solidFill>
+          <a:schemeClr val="tx1"/>
+        </a:solidFill>
+        <a:latin typeface="+mn-lt"/>
+        <a:ea typeface="+mn-ea"/>
+        <a:cs typeface="+mn-cs"/>
+      </a:defRPr>
+    </a:lvl9pPr>
+  </p:notesStyle>
+</p:notesMaster>
+</file>
+
+<file path=ppt/notesSlides/notesSlide1.xml><?xml version="1.0" encoding="utf-8"?>
+<p:notes xmlns:a="http://schemas.openxmlformats.org/drawingml/2006/main" xmlns:r="http://schemas.openxmlformats.org/officeDocument/2006/relationships" xmlns:p="http://schemas.openxmlformats.org/presentationml/2006/main">
+  <p:cSld>
+    <p:spTree>
+      <p:nvGrpSpPr>
+        <p:cNvPr id="1" name=""/>
+        <p:cNvGrpSpPr/>
+        <p:nvPr/>
+      </p:nvGrpSpPr>
+      <p:grpSpPr>
+        <a:xfrm>
+          <a:off x="0" y="0"/>
+          <a:ext cx="0" cy="0"/>
+          <a:chOff x="0" y="0"/>
+          <a:chExt cx="0" cy="0"/>
+        </a:xfrm>
+      </p:grpSpPr>
+      <p:sp>
+        <p:nvSpPr>
+          <p:cNvPr id="2" name="Slide Image Placeholder 1"/>
+          <p:cNvSpPr>
+            <a:spLocks noGrp="1" noRot="1" noChangeAspect="1"/>
+          </p:cNvSpPr>
+          <p:nvPr>
+            <p:ph type="sldImg"/>
+          </p:nvPr>
+        </p:nvSpPr>
+        <p:spPr/>
+      </p:sp>
+      <p:sp>
+        <p:nvSpPr>
+          <p:cNvPr id="3" name="Notes Placeholder 2"/>
+          <p:cNvSpPr>
+            <a:spLocks noGrp="1"/>
+          </p:cNvSpPr>
+          <p:nvPr>
+            <p:ph type="body" idx="1"/>
+          </p:nvPr>
+        </p:nvSpPr>
+        <p:spPr/>
+        <p:txBody>
+          <a:bodyPr/>
+          <a:lstStyle/>
+          <a:p>
+            <a:r>
+              <a:rPr lang="en-US" dirty="0"/>
+              <a:t>A is </a:t>
+            </a:r>
+            <a:r>
+              <a:rPr lang="en-US" dirty="0" err="1"/>
+              <a:t>Tcas</a:t>
+            </a:r>
+            <a:endParaRPr lang="en-US" dirty="0"/>
+          </a:p>
+          <a:p>
+            <a:r>
+              <a:rPr lang="en-US" dirty="0"/>
+              <a:t>B is </a:t>
+            </a:r>
+            <a:r>
+              <a:rPr lang="en-US" dirty="0" err="1"/>
+              <a:t>Dpon</a:t>
+            </a:r>
+            <a:endParaRPr lang="en-US" dirty="0"/>
+          </a:p>
+        </p:txBody>
+      </p:sp>
+      <p:sp>
+        <p:nvSpPr>
+          <p:cNvPr id="4" name="Slide Number Placeholder 3"/>
+          <p:cNvSpPr>
+            <a:spLocks noGrp="1"/>
+          </p:cNvSpPr>
+          <p:nvPr>
+            <p:ph type="sldNum" sz="quarter" idx="5"/>
+          </p:nvPr>
+        </p:nvSpPr>
+        <p:spPr/>
+        <p:txBody>
+          <a:bodyPr/>
+          <a:lstStyle/>
+          <a:p>
+            <a:fld id="{9E959E3E-E3FD-472E-B037-42F568D15646}" type="slidenum">
+              <a:rPr lang="en-US" smtClean="0"/>
+              <a:t>3</a:t>
+            </a:fld>
+            <a:endParaRPr lang="en-US"/>
+          </a:p>
+        </p:txBody>
+      </p:sp>
+    </p:spTree>
+    <p:extLst>
+      <p:ext uri="{BB962C8B-B14F-4D97-AF65-F5344CB8AC3E}">
+        <p14:creationId xmlns:p14="http://schemas.microsoft.com/office/powerpoint/2010/main" val="19144733"/>
+      </p:ext>
+    </p:extLst>
+  </p:cSld>
+  <p:clrMapOvr>
+    <a:masterClrMapping/>
+  </p:clrMapOvr>
+</p:notes>
 </file>
 
 <file path=ppt/slideLayouts/slideLayout1.xml><?xml version="1.0" encoding="utf-8"?>
@@ -2682,10 +3138,378 @@
           </a:prstGeom>
         </p:spPr>
       </p:pic>
+      <p:sp>
+        <p:nvSpPr>
+          <p:cNvPr id="2" name="Rectangle 1">
+            <a:extLst>
+              <a:ext uri="{FF2B5EF4-FFF2-40B4-BE49-F238E27FC236}">
+                <a16:creationId xmlns:a16="http://schemas.microsoft.com/office/drawing/2014/main" id="{17403383-B180-45E6-B66A-68BA07B97892}"/>
+              </a:ext>
+            </a:extLst>
+          </p:cNvPr>
+          <p:cNvSpPr/>
+          <p:nvPr/>
+        </p:nvSpPr>
+        <p:spPr>
+          <a:xfrm>
+            <a:off x="1671918" y="312812"/>
+            <a:ext cx="775280" cy="3878895"/>
+          </a:xfrm>
+          <a:prstGeom prst="rect">
+            <a:avLst/>
+          </a:prstGeom>
+          <a:noFill/>
+          <a:ln>
+            <a:solidFill>
+              <a:schemeClr val="accent6">
+                <a:lumMod val="75000"/>
+              </a:schemeClr>
+            </a:solidFill>
+          </a:ln>
+        </p:spPr>
+        <p:style>
+          <a:lnRef idx="2">
+            <a:schemeClr val="accent1">
+              <a:shade val="50000"/>
+            </a:schemeClr>
+          </a:lnRef>
+          <a:fillRef idx="1">
+            <a:schemeClr val="accent1"/>
+          </a:fillRef>
+          <a:effectRef idx="0">
+            <a:schemeClr val="accent1"/>
+          </a:effectRef>
+          <a:fontRef idx="minor">
+            <a:schemeClr val="lt1"/>
+          </a:fontRef>
+        </p:style>
+        <p:txBody>
+          <a:bodyPr rtlCol="0" anchor="ctr"/>
+          <a:lstStyle/>
+          <a:p>
+            <a:pPr algn="ctr"/>
+            <a:endParaRPr lang="en-US"/>
+          </a:p>
+        </p:txBody>
+      </p:sp>
+      <p:sp>
+        <p:nvSpPr>
+          <p:cNvPr id="12" name="Rectangle 11">
+            <a:extLst>
+              <a:ext uri="{FF2B5EF4-FFF2-40B4-BE49-F238E27FC236}">
+                <a16:creationId xmlns:a16="http://schemas.microsoft.com/office/drawing/2014/main" id="{5C9E152B-33AD-40DA-BAF7-8D5D1CCA7255}"/>
+              </a:ext>
+            </a:extLst>
+          </p:cNvPr>
+          <p:cNvSpPr/>
+          <p:nvPr/>
+        </p:nvSpPr>
+        <p:spPr>
+          <a:xfrm>
+            <a:off x="6551859" y="312813"/>
+            <a:ext cx="775281" cy="3878895"/>
+          </a:xfrm>
+          <a:prstGeom prst="rect">
+            <a:avLst/>
+          </a:prstGeom>
+          <a:noFill/>
+          <a:ln>
+            <a:solidFill>
+              <a:schemeClr val="accent6">
+                <a:lumMod val="75000"/>
+              </a:schemeClr>
+            </a:solidFill>
+          </a:ln>
+        </p:spPr>
+        <p:style>
+          <a:lnRef idx="2">
+            <a:schemeClr val="accent1">
+              <a:shade val="50000"/>
+            </a:schemeClr>
+          </a:lnRef>
+          <a:fillRef idx="1">
+            <a:schemeClr val="accent1"/>
+          </a:fillRef>
+          <a:effectRef idx="0">
+            <a:schemeClr val="accent1"/>
+          </a:effectRef>
+          <a:fontRef idx="minor">
+            <a:schemeClr val="lt1"/>
+          </a:fontRef>
+        </p:style>
+        <p:txBody>
+          <a:bodyPr rtlCol="0" anchor="ctr"/>
+          <a:lstStyle/>
+          <a:p>
+            <a:pPr algn="ctr"/>
+            <a:endParaRPr lang="en-US"/>
+          </a:p>
+        </p:txBody>
+      </p:sp>
     </p:spTree>
     <p:extLst>
       <p:ext uri="{BB962C8B-B14F-4D97-AF65-F5344CB8AC3E}">
         <p14:creationId xmlns:p14="http://schemas.microsoft.com/office/powerpoint/2010/main" val="3642719850"/>
+      </p:ext>
+    </p:extLst>
+  </p:cSld>
+  <p:clrMapOvr>
+    <a:masterClrMapping/>
+  </p:clrMapOvr>
+</p:sld>
+</file>
+
+<file path=ppt/slides/slide3.xml><?xml version="1.0" encoding="utf-8"?>
+<p:sld xmlns:a="http://schemas.openxmlformats.org/drawingml/2006/main" xmlns:r="http://schemas.openxmlformats.org/officeDocument/2006/relationships" xmlns:p="http://schemas.openxmlformats.org/presentationml/2006/main">
+  <p:cSld>
+    <p:spTree>
+      <p:nvGrpSpPr>
+        <p:cNvPr id="1" name=""/>
+        <p:cNvGrpSpPr/>
+        <p:nvPr/>
+      </p:nvGrpSpPr>
+      <p:grpSpPr>
+        <a:xfrm>
+          <a:off x="0" y="0"/>
+          <a:ext cx="0" cy="0"/>
+          <a:chOff x="0" y="0"/>
+          <a:chExt cx="0" cy="0"/>
+        </a:xfrm>
+      </p:grpSpPr>
+      <p:pic>
+        <p:nvPicPr>
+          <p:cNvPr id="5" name="Graphic 4">
+            <a:extLst>
+              <a:ext uri="{FF2B5EF4-FFF2-40B4-BE49-F238E27FC236}">
+                <a16:creationId xmlns:a16="http://schemas.microsoft.com/office/drawing/2014/main" id="{6BB052E5-6053-41CB-BA16-C06F925AEABE}"/>
+              </a:ext>
+            </a:extLst>
+          </p:cNvPr>
+          <p:cNvPicPr>
+            <a:picLocks noChangeAspect="1"/>
+          </p:cNvPicPr>
+          <p:nvPr/>
+        </p:nvPicPr>
+        <p:blipFill rotWithShape="1">
+          <a:blip r:embed="rId3">
+            <a:extLst>
+              <a:ext uri="{28A0092B-C50C-407E-A947-70E740481C1C}">
+                <a14:useLocalDpi xmlns:a14="http://schemas.microsoft.com/office/drawing/2010/main" val="0"/>
+              </a:ext>
+              <a:ext uri="{96DAC541-7B7A-43D3-8B79-37D633B846F1}">
+                <asvg:svgBlip xmlns:asvg="http://schemas.microsoft.com/office/drawing/2016/SVG/main" r:embed="rId4"/>
+              </a:ext>
+            </a:extLst>
+          </a:blip>
+          <a:srcRect b="91704"/>
+          <a:stretch/>
+        </p:blipFill>
+        <p:spPr>
+          <a:xfrm>
+            <a:off x="476124" y="369807"/>
+            <a:ext cx="4707764" cy="476922"/>
+          </a:xfrm>
+          <a:prstGeom prst="rect">
+            <a:avLst/>
+          </a:prstGeom>
+        </p:spPr>
+      </p:pic>
+      <p:pic>
+        <p:nvPicPr>
+          <p:cNvPr id="6" name="Graphic 5">
+            <a:extLst>
+              <a:ext uri="{FF2B5EF4-FFF2-40B4-BE49-F238E27FC236}">
+                <a16:creationId xmlns:a16="http://schemas.microsoft.com/office/drawing/2014/main" id="{C8369BF5-5F26-4504-9D93-843F7386636E}"/>
+              </a:ext>
+            </a:extLst>
+          </p:cNvPr>
+          <p:cNvPicPr>
+            <a:picLocks noChangeAspect="1"/>
+          </p:cNvPicPr>
+          <p:nvPr/>
+        </p:nvPicPr>
+        <p:blipFill rotWithShape="1">
+          <a:blip r:embed="rId3">
+            <a:extLst>
+              <a:ext uri="{28A0092B-C50C-407E-A947-70E740481C1C}">
+                <a14:useLocalDpi xmlns:a14="http://schemas.microsoft.com/office/drawing/2010/main" val="0"/>
+              </a:ext>
+              <a:ext uri="{96DAC541-7B7A-43D3-8B79-37D633B846F1}">
+                <asvg:svgBlip xmlns:asvg="http://schemas.microsoft.com/office/drawing/2016/SVG/main" r:embed="rId4"/>
+              </a:ext>
+            </a:extLst>
+          </a:blip>
+          <a:srcRect t="10689" b="81334"/>
+          <a:stretch/>
+        </p:blipFill>
+        <p:spPr>
+          <a:xfrm>
+            <a:off x="5183888" y="394356"/>
+            <a:ext cx="4643985" cy="452373"/>
+          </a:xfrm>
+          <a:prstGeom prst="rect">
+            <a:avLst/>
+          </a:prstGeom>
+        </p:spPr>
+      </p:pic>
+      <p:pic>
+        <p:nvPicPr>
+          <p:cNvPr id="8" name="Graphic 7">
+            <a:extLst>
+              <a:ext uri="{FF2B5EF4-FFF2-40B4-BE49-F238E27FC236}">
+                <a16:creationId xmlns:a16="http://schemas.microsoft.com/office/drawing/2014/main" id="{F75CFA5B-51FF-4F44-BE2E-BDC2C7CFF9B7}"/>
+              </a:ext>
+            </a:extLst>
+          </p:cNvPr>
+          <p:cNvPicPr>
+            <a:picLocks noChangeAspect="1"/>
+          </p:cNvPicPr>
+          <p:nvPr/>
+        </p:nvPicPr>
+        <p:blipFill rotWithShape="1">
+          <a:blip r:embed="rId5">
+            <a:extLst>
+              <a:ext uri="{28A0092B-C50C-407E-A947-70E740481C1C}">
+                <a14:useLocalDpi xmlns:a14="http://schemas.microsoft.com/office/drawing/2010/main" val="0"/>
+              </a:ext>
+              <a:ext uri="{96DAC541-7B7A-43D3-8B79-37D633B846F1}">
+                <asvg:svgBlip xmlns:asvg="http://schemas.microsoft.com/office/drawing/2016/SVG/main" r:embed="rId6"/>
+              </a:ext>
+            </a:extLst>
+          </a:blip>
+          <a:srcRect b="91997"/>
+          <a:stretch/>
+        </p:blipFill>
+        <p:spPr>
+          <a:xfrm>
+            <a:off x="476122" y="897377"/>
+            <a:ext cx="4707765" cy="460060"/>
+          </a:xfrm>
+          <a:prstGeom prst="rect">
+            <a:avLst/>
+          </a:prstGeom>
+        </p:spPr>
+      </p:pic>
+      <p:pic>
+        <p:nvPicPr>
+          <p:cNvPr id="9" name="Graphic 8">
+            <a:extLst>
+              <a:ext uri="{FF2B5EF4-FFF2-40B4-BE49-F238E27FC236}">
+                <a16:creationId xmlns:a16="http://schemas.microsoft.com/office/drawing/2014/main" id="{5508D572-94EF-430C-A1FA-EC48DBEB6394}"/>
+              </a:ext>
+            </a:extLst>
+          </p:cNvPr>
+          <p:cNvPicPr>
+            <a:picLocks noChangeAspect="1"/>
+          </p:cNvPicPr>
+          <p:nvPr/>
+        </p:nvPicPr>
+        <p:blipFill rotWithShape="1">
+          <a:blip r:embed="rId5">
+            <a:extLst>
+              <a:ext uri="{28A0092B-C50C-407E-A947-70E740481C1C}">
+                <a14:useLocalDpi xmlns:a14="http://schemas.microsoft.com/office/drawing/2010/main" val="0"/>
+              </a:ext>
+              <a:ext uri="{96DAC541-7B7A-43D3-8B79-37D633B846F1}">
+                <asvg:svgBlip xmlns:asvg="http://schemas.microsoft.com/office/drawing/2016/SVG/main" r:embed="rId6"/>
+              </a:ext>
+            </a:extLst>
+          </a:blip>
+          <a:srcRect t="10031" b="81994"/>
+          <a:stretch/>
+        </p:blipFill>
+        <p:spPr>
+          <a:xfrm>
+            <a:off x="5183888" y="915624"/>
+            <a:ext cx="4643985" cy="452213"/>
+          </a:xfrm>
+          <a:prstGeom prst="rect">
+            <a:avLst/>
+          </a:prstGeom>
+        </p:spPr>
+      </p:pic>
+      <p:sp>
+        <p:nvSpPr>
+          <p:cNvPr id="10" name="Rectangle 9">
+            <a:extLst>
+              <a:ext uri="{FF2B5EF4-FFF2-40B4-BE49-F238E27FC236}">
+                <a16:creationId xmlns:a16="http://schemas.microsoft.com/office/drawing/2014/main" id="{79196211-92E2-47F7-8BB7-2A225203CEEC}"/>
+              </a:ext>
+            </a:extLst>
+          </p:cNvPr>
+          <p:cNvSpPr/>
+          <p:nvPr/>
+        </p:nvSpPr>
+        <p:spPr>
+          <a:xfrm>
+            <a:off x="73704" y="435876"/>
+            <a:ext cx="402418" cy="369332"/>
+          </a:xfrm>
+          <a:prstGeom prst="rect">
+            <a:avLst/>
+          </a:prstGeom>
+        </p:spPr>
+        <p:txBody>
+          <a:bodyPr wrap="none">
+            <a:spAutoFit/>
+          </a:bodyPr>
+          <a:lstStyle/>
+          <a:p>
+            <a:pPr>
+              <a:lnSpc>
+                <a:spcPct val="100000"/>
+              </a:lnSpc>
+            </a:pPr>
+            <a:r>
+              <a:rPr lang="en-US" spc="-1" dirty="0"/>
+              <a:t>A.</a:t>
+            </a:r>
+          </a:p>
+        </p:txBody>
+      </p:sp>
+      <p:sp>
+        <p:nvSpPr>
+          <p:cNvPr id="11" name="Rectangle 10">
+            <a:extLst>
+              <a:ext uri="{FF2B5EF4-FFF2-40B4-BE49-F238E27FC236}">
+                <a16:creationId xmlns:a16="http://schemas.microsoft.com/office/drawing/2014/main" id="{664B1CE1-4E8A-4EDE-B65B-2AE5F6CD411A}"/>
+              </a:ext>
+            </a:extLst>
+          </p:cNvPr>
+          <p:cNvSpPr/>
+          <p:nvPr/>
+        </p:nvSpPr>
+        <p:spPr>
+          <a:xfrm>
+            <a:off x="73704" y="988105"/>
+            <a:ext cx="402418" cy="369332"/>
+          </a:xfrm>
+          <a:prstGeom prst="rect">
+            <a:avLst/>
+          </a:prstGeom>
+        </p:spPr>
+        <p:txBody>
+          <a:bodyPr wrap="none">
+            <a:spAutoFit/>
+          </a:bodyPr>
+          <a:lstStyle/>
+          <a:p>
+            <a:pPr>
+              <a:lnSpc>
+                <a:spcPct val="100000"/>
+              </a:lnSpc>
+            </a:pPr>
+            <a:r>
+              <a:rPr lang="en-US" spc="-1" dirty="0"/>
+              <a:t>B.</a:t>
+            </a:r>
+          </a:p>
+        </p:txBody>
+      </p:sp>
+    </p:spTree>
+    <p:extLst>
+      <p:ext uri="{BB962C8B-B14F-4D97-AF65-F5344CB8AC3E}">
+        <p14:creationId xmlns:p14="http://schemas.microsoft.com/office/powerpoint/2010/main" val="2959122121"/>
       </p:ext>
     </p:extLst>
   </p:cSld>
@@ -2918,4 +3742,299 @@
   <a:objectDefaults/>
   <a:extraClrSchemeLst/>
 </a:theme>
+</file>
+
+<file path=ppt/theme/theme2.xml><?xml version="1.0" encoding="utf-8"?>
+<a:theme xmlns:a="http://schemas.openxmlformats.org/drawingml/2006/main" name="Office Theme">
+  <a:themeElements>
+    <a:clrScheme name="Office">
+      <a:dk1>
+        <a:sysClr val="windowText" lastClr="000000"/>
+      </a:dk1>
+      <a:lt1>
+        <a:sysClr val="window" lastClr="FFFFFF"/>
+      </a:lt1>
+      <a:dk2>
+        <a:srgbClr val="44546A"/>
+      </a:dk2>
+      <a:lt2>
+        <a:srgbClr val="E7E6E6"/>
+      </a:lt2>
+      <a:accent1>
+        <a:srgbClr val="4472C4"/>
+      </a:accent1>
+      <a:accent2>
+        <a:srgbClr val="ED7D31"/>
+      </a:accent2>
+      <a:accent3>
+        <a:srgbClr val="A5A5A5"/>
+      </a:accent3>
+      <a:accent4>
+        <a:srgbClr val="FFC000"/>
+      </a:accent4>
+      <a:accent5>
+        <a:srgbClr val="5B9BD5"/>
+      </a:accent5>
+      <a:accent6>
+        <a:srgbClr val="70AD47"/>
+      </a:accent6>
+      <a:hlink>
+        <a:srgbClr val="0563C1"/>
+      </a:hlink>
+      <a:folHlink>
+        <a:srgbClr val="954F72"/>
+      </a:folHlink>
+    </a:clrScheme>
+    <a:fontScheme name="Office">
+      <a:majorFont>
+        <a:latin typeface="Calibri Light" panose="020F0302020204030204"/>
+        <a:ea typeface=""/>
+        <a:cs typeface=""/>
+        <a:font script="Jpan" typeface="游ゴシック Light"/>
+        <a:font script="Hang" typeface="맑은 고딕"/>
+        <a:font script="Hans" typeface="等线 Light"/>
+        <a:font script="Hant" typeface="新細明體"/>
+        <a:font script="Arab" typeface="Times New Roman"/>
+        <a:font script="Hebr" typeface="Times New Roman"/>
+        <a:font script="Thai" typeface="Angsana New"/>
+        <a:font script="Ethi" typeface="Nyala"/>
+        <a:font script="Beng" typeface="Vrinda"/>
+        <a:font script="Gujr" typeface="Shruti"/>
+        <a:font script="Khmr" typeface="MoolBoran"/>
+        <a:font script="Knda" typeface="Tunga"/>
+        <a:font script="Guru" typeface="Raavi"/>
+        <a:font script="Cans" typeface="Euphemia"/>
+        <a:font script="Cher" typeface="Plantagenet Cherokee"/>
+        <a:font script="Yiii" typeface="Microsoft Yi Baiti"/>
+        <a:font script="Tibt" typeface="Microsoft Himalaya"/>
+        <a:font script="Thaa" typeface="MV Boli"/>
+        <a:font script="Deva" typeface="Mangal"/>
+        <a:font script="Telu" typeface="Gautami"/>
+        <a:font script="Taml" typeface="Latha"/>
+        <a:font script="Syrc" typeface="Estrangelo Edessa"/>
+        <a:font script="Orya" typeface="Kalinga"/>
+        <a:font script="Mlym" typeface="Kartika"/>
+        <a:font script="Laoo" typeface="DokChampa"/>
+        <a:font script="Sinh" typeface="Iskoola Pota"/>
+        <a:font script="Mong" typeface="Mongolian Baiti"/>
+        <a:font script="Viet" typeface="Times New Roman"/>
+        <a:font script="Uigh" typeface="Microsoft Uighur"/>
+        <a:font script="Geor" typeface="Sylfaen"/>
+        <a:font script="Armn" typeface="Arial"/>
+        <a:font script="Bugi" typeface="Leelawadee UI"/>
+        <a:font script="Bopo" typeface="Microsoft JhengHei"/>
+        <a:font script="Java" typeface="Javanese Text"/>
+        <a:font script="Lisu" typeface="Segoe UI"/>
+        <a:font script="Mymr" typeface="Myanmar Text"/>
+        <a:font script="Nkoo" typeface="Ebrima"/>
+        <a:font script="Olck" typeface="Nirmala UI"/>
+        <a:font script="Osma" typeface="Ebrima"/>
+        <a:font script="Phag" typeface="Phagspa"/>
+        <a:font script="Syrn" typeface="Estrangelo Edessa"/>
+        <a:font script="Syrj" typeface="Estrangelo Edessa"/>
+        <a:font script="Syre" typeface="Estrangelo Edessa"/>
+        <a:font script="Sora" typeface="Nirmala UI"/>
+        <a:font script="Tale" typeface="Microsoft Tai Le"/>
+        <a:font script="Talu" typeface="Microsoft New Tai Lue"/>
+        <a:font script="Tfng" typeface="Ebrima"/>
+      </a:majorFont>
+      <a:minorFont>
+        <a:latin typeface="Calibri" panose="020F0502020204030204"/>
+        <a:ea typeface=""/>
+        <a:cs typeface=""/>
+        <a:font script="Jpan" typeface="游ゴシック"/>
+        <a:font script="Hang" typeface="맑은 고딕"/>
+        <a:font script="Hans" typeface="等线"/>
+        <a:font script="Hant" typeface="新細明體"/>
+        <a:font script="Arab" typeface="Arial"/>
+        <a:font script="Hebr" typeface="Arial"/>
+        <a:font script="Thai" typeface="Cordia New"/>
+        <a:font script="Ethi" typeface="Nyala"/>
+        <a:font script="Beng" typeface="Vrinda"/>
+        <a:font script="Gujr" typeface="Shruti"/>
+        <a:font script="Khmr" typeface="DaunPenh"/>
+        <a:font script="Knda" typeface="Tunga"/>
+        <a:font script="Guru" typeface="Raavi"/>
+        <a:font script="Cans" typeface="Euphemia"/>
+        <a:font script="Cher" typeface="Plantagenet Cherokee"/>
+        <a:font script="Yiii" typeface="Microsoft Yi Baiti"/>
+        <a:font script="Tibt" typeface="Microsoft Himalaya"/>
+        <a:font script="Thaa" typeface="MV Boli"/>
+        <a:font script="Deva" typeface="Mangal"/>
+        <a:font script="Telu" typeface="Gautami"/>
+        <a:font script="Taml" typeface="Latha"/>
+        <a:font script="Syrc" typeface="Estrangelo Edessa"/>
+        <a:font script="Orya" typeface="Kalinga"/>
+        <a:font script="Mlym" typeface="Kartika"/>
+        <a:font script="Laoo" typeface="DokChampa"/>
+        <a:font script="Sinh" typeface="Iskoola Pota"/>
+        <a:font script="Mong" typeface="Mongolian Baiti"/>
+        <a:font script="Viet" typeface="Arial"/>
+        <a:font script="Uigh" typeface="Microsoft Uighur"/>
+        <a:font script="Geor" typeface="Sylfaen"/>
+        <a:font script="Armn" typeface="Arial"/>
+        <a:font script="Bugi" typeface="Leelawadee UI"/>
+        <a:font script="Bopo" typeface="Microsoft JhengHei"/>
+        <a:font script="Java" typeface="Javanese Text"/>
+        <a:font script="Lisu" typeface="Segoe UI"/>
+        <a:font script="Mymr" typeface="Myanmar Text"/>
+        <a:font script="Nkoo" typeface="Ebrima"/>
+        <a:font script="Olck" typeface="Nirmala UI"/>
+        <a:font script="Osma" typeface="Ebrima"/>
+        <a:font script="Phag" typeface="Phagspa"/>
+        <a:font script="Syrn" typeface="Estrangelo Edessa"/>
+        <a:font script="Syrj" typeface="Estrangelo Edessa"/>
+        <a:font script="Syre" typeface="Estrangelo Edessa"/>
+        <a:font script="Sora" typeface="Nirmala UI"/>
+        <a:font script="Tale" typeface="Microsoft Tai Le"/>
+        <a:font script="Talu" typeface="Microsoft New Tai Lue"/>
+        <a:font script="Tfng" typeface="Ebrima"/>
+      </a:minorFont>
+    </a:fontScheme>
+    <a:fmtScheme name="Office">
+      <a:fillStyleLst>
+        <a:solidFill>
+          <a:schemeClr val="phClr"/>
+        </a:solidFill>
+        <a:gradFill rotWithShape="1">
+          <a:gsLst>
+            <a:gs pos="0">
+              <a:schemeClr val="phClr">
+                <a:lumMod val="110000"/>
+                <a:satMod val="105000"/>
+                <a:tint val="67000"/>
+              </a:schemeClr>
+            </a:gs>
+            <a:gs pos="50000">
+              <a:schemeClr val="phClr">
+                <a:lumMod val="105000"/>
+                <a:satMod val="103000"/>
+                <a:tint val="73000"/>
+              </a:schemeClr>
+            </a:gs>
+            <a:gs pos="100000">
+              <a:schemeClr val="phClr">
+                <a:lumMod val="105000"/>
+                <a:satMod val="109000"/>
+                <a:tint val="81000"/>
+              </a:schemeClr>
+            </a:gs>
+          </a:gsLst>
+          <a:lin ang="5400000" scaled="0"/>
+        </a:gradFill>
+        <a:gradFill rotWithShape="1">
+          <a:gsLst>
+            <a:gs pos="0">
+              <a:schemeClr val="phClr">
+                <a:satMod val="103000"/>
+                <a:lumMod val="102000"/>
+                <a:tint val="94000"/>
+              </a:schemeClr>
+            </a:gs>
+            <a:gs pos="50000">
+              <a:schemeClr val="phClr">
+                <a:satMod val="110000"/>
+                <a:lumMod val="100000"/>
+                <a:shade val="100000"/>
+              </a:schemeClr>
+            </a:gs>
+            <a:gs pos="100000">
+              <a:schemeClr val="phClr">
+                <a:lumMod val="99000"/>
+                <a:satMod val="120000"/>
+                <a:shade val="78000"/>
+              </a:schemeClr>
+            </a:gs>
+          </a:gsLst>
+          <a:lin ang="5400000" scaled="0"/>
+        </a:gradFill>
+      </a:fillStyleLst>
+      <a:lnStyleLst>
+        <a:ln w="6350" cap="flat" cmpd="sng" algn="ctr">
+          <a:solidFill>
+            <a:schemeClr val="phClr"/>
+          </a:solidFill>
+          <a:prstDash val="solid"/>
+          <a:miter lim="800000"/>
+        </a:ln>
+        <a:ln w="12700" cap="flat" cmpd="sng" algn="ctr">
+          <a:solidFill>
+            <a:schemeClr val="phClr"/>
+          </a:solidFill>
+          <a:prstDash val="solid"/>
+          <a:miter lim="800000"/>
+        </a:ln>
+        <a:ln w="19050" cap="flat" cmpd="sng" algn="ctr">
+          <a:solidFill>
+            <a:schemeClr val="phClr"/>
+          </a:solidFill>
+          <a:prstDash val="solid"/>
+          <a:miter lim="800000"/>
+        </a:ln>
+      </a:lnStyleLst>
+      <a:effectStyleLst>
+        <a:effectStyle>
+          <a:effectLst/>
+        </a:effectStyle>
+        <a:effectStyle>
+          <a:effectLst/>
+        </a:effectStyle>
+        <a:effectStyle>
+          <a:effectLst>
+            <a:outerShdw blurRad="57150" dist="19050" dir="5400000" algn="ctr" rotWithShape="0">
+              <a:srgbClr val="000000">
+                <a:alpha val="63000"/>
+              </a:srgbClr>
+            </a:outerShdw>
+          </a:effectLst>
+        </a:effectStyle>
+      </a:effectStyleLst>
+      <a:bgFillStyleLst>
+        <a:solidFill>
+          <a:schemeClr val="phClr"/>
+        </a:solidFill>
+        <a:solidFill>
+          <a:schemeClr val="phClr">
+            <a:tint val="95000"/>
+            <a:satMod val="170000"/>
+          </a:schemeClr>
+        </a:solidFill>
+        <a:gradFill rotWithShape="1">
+          <a:gsLst>
+            <a:gs pos="0">
+              <a:schemeClr val="phClr">
+                <a:tint val="93000"/>
+                <a:satMod val="150000"/>
+                <a:shade val="98000"/>
+                <a:lumMod val="102000"/>
+              </a:schemeClr>
+            </a:gs>
+            <a:gs pos="50000">
+              <a:schemeClr val="phClr">
+                <a:tint val="98000"/>
+                <a:satMod val="130000"/>
+                <a:shade val="90000"/>
+                <a:lumMod val="103000"/>
+              </a:schemeClr>
+            </a:gs>
+            <a:gs pos="100000">
+              <a:schemeClr val="phClr">
+                <a:shade val="63000"/>
+                <a:satMod val="120000"/>
+              </a:schemeClr>
+            </a:gs>
+          </a:gsLst>
+          <a:lin ang="5400000" scaled="0"/>
+        </a:gradFill>
+      </a:bgFillStyleLst>
+    </a:fmtScheme>
+  </a:themeElements>
+  <a:objectDefaults/>
+  <a:extraClrSchemeLst/>
+  <a:extLst>
+    <a:ext uri="{05A4C25C-085E-4340-85A3-A5531E510DB2}">
+      <thm15:themeFamily xmlns:thm15="http://schemas.microsoft.com/office/thememl/2012/main" name="Office Theme" id="{62F939B6-93AF-4DB8-9C6B-D6C7DFDC589F}" vid="{4A3C46E8-61CC-4603-A589-7422A47A8E4A}"/>
+    </a:ext>
+  </a:extLst>
+</a:theme>
 </file>